--- a/2014SpBio125,researchday,DPCC/bio125_2014Spring20140304.pptx
+++ b/2014SpBio125,researchday,DPCC/bio125_2014Spring20140304.pptx
@@ -256,7 +256,7 @@
             <a:fld id="{20089B8C-FF37-ED46-B3FC-4062649AF89E}" type="datetime1">
               <a:rPr lang="en-US"/>
               <a:pPr/>
-              <a:t>4/4/2014</a:t>
+              <a:t>4/6/2014</a:t>
             </a:fld>
             <a:endParaRPr lang="en-US"/>
           </a:p>
@@ -442,7 +442,7 @@
     </p:spTree>
     <p:extLst>
       <p:ext uri="{BB962C8B-B14F-4D97-AF65-F5344CB8AC3E}">
-        <p14:creationId xmlns:p14="http://schemas.microsoft.com/office/powerpoint/2010/main" xmlns="" val="2029630893"/>
+        <p14:creationId xmlns:p14="http://schemas.microsoft.com/office/powerpoint/2010/main" val="2029630893"/>
       </p:ext>
     </p:extLst>
   </p:cSld>
@@ -4019,7 +4019,7 @@
         </p:nvSpPr>
         <p:spPr bwMode="auto">
           <a:xfrm>
-            <a:off x="28849638" y="22098000"/>
+            <a:off x="28984575" y="22381517"/>
             <a:ext cx="5943600" cy="5334000"/>
           </a:xfrm>
           <a:prstGeom prst="rect">
@@ -4056,7 +4056,7 @@
         </p:nvSpPr>
         <p:spPr bwMode="auto">
           <a:xfrm>
-            <a:off x="29489400" y="16687800"/>
+            <a:off x="29146500" y="16687800"/>
             <a:ext cx="7829550" cy="1446550"/>
           </a:xfrm>
           <a:prstGeom prst="rect">
@@ -4083,14 +4083,14 @@
             <a:r>
               <a:rPr lang="en-US" sz="4400" b="1" i="1" dirty="0" smtClean="0">
                 <a:solidFill>
-                  <a:srgbClr val="00009C"/>
+                  <a:srgbClr val="0CA413"/>
                 </a:solidFill>
               </a:rPr>
-              <a:t>Implication in Human MSH2  mutations</a:t>
+              <a:t>Implication in Human MSH2  Mutations</a:t>
             </a:r>
             <a:endParaRPr lang="en-US" dirty="0">
               <a:solidFill>
-                <a:srgbClr val="00009C"/>
+                <a:srgbClr val="0CA413"/>
               </a:solidFill>
             </a:endParaRPr>
           </a:p>
@@ -4106,7 +4106,7 @@
         </p:nvSpPr>
         <p:spPr bwMode="auto">
           <a:xfrm>
-            <a:off x="28422600" y="28117800"/>
+            <a:off x="29146500" y="27654744"/>
             <a:ext cx="7658100" cy="762000"/>
           </a:xfrm>
           <a:prstGeom prst="rect">
@@ -4133,14 +4133,14 @@
             <a:r>
               <a:rPr lang="en-US" sz="4400" b="1" i="1" dirty="0">
                 <a:solidFill>
-                  <a:srgbClr val="00009C"/>
+                  <a:srgbClr val="0CA413"/>
                 </a:solidFill>
               </a:rPr>
               <a:t>References</a:t>
             </a:r>
             <a:endParaRPr lang="en-US" dirty="0">
               <a:solidFill>
-                <a:srgbClr val="00009C"/>
+                <a:srgbClr val="0CA413"/>
               </a:solidFill>
             </a:endParaRPr>
           </a:p>
@@ -4156,7 +4156,7 @@
         </p:nvSpPr>
         <p:spPr bwMode="auto">
           <a:xfrm>
-            <a:off x="28270200" y="33528000"/>
+            <a:off x="29576712" y="33756236"/>
             <a:ext cx="7151688" cy="701675"/>
           </a:xfrm>
           <a:prstGeom prst="rect">
@@ -4183,14 +4183,14 @@
             <a:r>
               <a:rPr lang="en-US" sz="4000" b="1" i="1" dirty="0">
                 <a:solidFill>
-                  <a:srgbClr val="00009C"/>
+                  <a:srgbClr val="0CA413"/>
                 </a:solidFill>
               </a:rPr>
               <a:t>Acknowledgements</a:t>
             </a:r>
             <a:endParaRPr lang="en-US" sz="2000" dirty="0">
               <a:solidFill>
-                <a:srgbClr val="00009C"/>
+                <a:srgbClr val="0CA413"/>
               </a:solidFill>
             </a:endParaRPr>
           </a:p>
@@ -4208,6 +4208,126 @@
           <a:xfrm>
             <a:off x="5715000" y="990600"/>
             <a:ext cx="27660600" cy="3908762"/>
+          </a:xfrm>
+          <a:prstGeom prst="rect">
+            <a:avLst/>
+          </a:prstGeom>
+          <a:solidFill>
+            <a:srgbClr val="0CA413"/>
+          </a:solidFill>
+          <a:ln w="9525">
+            <a:noFill/>
+            <a:miter lim="800000"/>
+            <a:headEnd/>
+            <a:tailEnd/>
+          </a:ln>
+          <a:effectLst/>
+        </p:spPr>
+        <p:txBody>
+          <a:bodyPr wrap="square">
+            <a:prstTxWarp prst="textNoShape">
+              <a:avLst/>
+            </a:prstTxWarp>
+            <a:spAutoFit/>
+          </a:bodyPr>
+          <a:lstStyle/>
+          <a:p>
+            <a:pPr algn="ctr"/>
+            <a:r>
+              <a:rPr lang="en-US" sz="6000" dirty="0" smtClean="0"/>
+              <a:t>Functional Studies of the Human </a:t>
+            </a:r>
+            <a:r>
+              <a:rPr lang="en-US" sz="6000" dirty="0"/>
+              <a:t>MSH2 Missense Mutations in </a:t>
+            </a:r>
+            <a:r>
+              <a:rPr lang="en-US" sz="6000" dirty="0" smtClean="0"/>
+              <a:t>Yeast Provide</a:t>
+            </a:r>
+          </a:p>
+          <a:p>
+            <a:pPr algn="ctr"/>
+            <a:r>
+              <a:rPr lang="en-US" sz="6000" dirty="0" smtClean="0"/>
+              <a:t>Insight to Hereditary </a:t>
+            </a:r>
+            <a:r>
+              <a:rPr lang="en-US" sz="6000" dirty="0" err="1" smtClean="0"/>
+              <a:t>Nonpolyposis</a:t>
+            </a:r>
+            <a:r>
+              <a:rPr lang="en-US" sz="6000" dirty="0" smtClean="0"/>
+              <a:t> Colon Cancer</a:t>
+            </a:r>
+          </a:p>
+          <a:p>
+            <a:pPr algn="ctr"/>
+            <a:r>
+              <a:rPr lang="en-US" sz="4000" b="1" dirty="0" smtClean="0"/>
+              <a:t>Dominique </a:t>
+            </a:r>
+            <a:r>
+              <a:rPr lang="en-US" sz="4000" b="1" dirty="0" err="1" smtClean="0"/>
+              <a:t>Djedjro</a:t>
+            </a:r>
+            <a:r>
+              <a:rPr lang="en-US" sz="4000" b="1" dirty="0" smtClean="0"/>
+              <a:t>, </a:t>
+            </a:r>
+            <a:r>
+              <a:rPr lang="en-US" sz="4000" b="1" dirty="0" err="1" smtClean="0"/>
+              <a:t>Chezlyn</a:t>
+            </a:r>
+            <a:r>
+              <a:rPr lang="en-US" sz="4000" b="1" dirty="0" smtClean="0"/>
+              <a:t> Patton</a:t>
+            </a:r>
+          </a:p>
+          <a:p>
+            <a:pPr algn="ctr"/>
+            <a:r>
+              <a:rPr lang="en-US" sz="4800" b="1" baseline="30000" dirty="0" smtClean="0"/>
+              <a:t>Advisor: Dr</a:t>
+            </a:r>
+            <a:r>
+              <a:rPr lang="en-US" sz="4800" b="1" baseline="30000" dirty="0"/>
+              <a:t>. Hong </a:t>
+            </a:r>
+            <a:r>
+              <a:rPr lang="en-US" sz="4800" b="1" baseline="30000" dirty="0" smtClean="0"/>
+              <a:t>Qin</a:t>
+            </a:r>
+            <a:r>
+              <a:rPr lang="en-US" sz="4800" b="1" dirty="0" smtClean="0"/>
+              <a:t> </a:t>
+            </a:r>
+          </a:p>
+          <a:p>
+            <a:pPr algn="ctr">
+              <a:lnSpc>
+                <a:spcPct val="80000"/>
+              </a:lnSpc>
+            </a:pPr>
+            <a:r>
+              <a:rPr lang="en-US" sz="4000" b="1" dirty="0" smtClean="0"/>
+              <a:t>Department of Biology, Spelman College, Atlanta, GA 30314</a:t>
+            </a:r>
+          </a:p>
+        </p:txBody>
+      </p:sp>
+      <p:sp>
+        <p:nvSpPr>
+          <p:cNvPr id="14356" name="Text Box 66"/>
+          <p:cNvSpPr txBox="1">
+            <a:spLocks noChangeArrowheads="1"/>
+          </p:cNvSpPr>
+          <p:nvPr/>
+        </p:nvSpPr>
+        <p:spPr bwMode="auto">
+          <a:xfrm>
+            <a:off x="2824956" y="16261140"/>
+            <a:ext cx="3722688" cy="762000"/>
           </a:xfrm>
           <a:prstGeom prst="rect">
             <a:avLst/>
@@ -4219,10 +4339,9 @@
             <a:headEnd/>
             <a:tailEnd/>
           </a:ln>
-          <a:effectLst/>
-        </p:spPr>
-        <p:txBody>
-          <a:bodyPr wrap="square">
+        </p:spPr>
+        <p:txBody>
+          <a:bodyPr>
             <a:prstTxWarp prst="textNoShape">
               <a:avLst/>
             </a:prstTxWarp>
@@ -4230,95 +4349,26 @@
           </a:bodyPr>
           <a:lstStyle/>
           <a:p>
-            <a:pPr algn="ctr"/>
-            <a:r>
-              <a:rPr lang="en-US" sz="6000" dirty="0" smtClean="0"/>
-              <a:t>Functional Studies of the Human </a:t>
-            </a:r>
-            <a:r>
-              <a:rPr lang="en-US" sz="6000" dirty="0"/>
-              <a:t>MSH2 Missense Mutations in </a:t>
-            </a:r>
-            <a:r>
-              <a:rPr lang="en-US" sz="6000" dirty="0" smtClean="0"/>
-              <a:t>Yeast Provide</a:t>
-            </a:r>
-          </a:p>
-          <a:p>
-            <a:pPr algn="ctr"/>
-            <a:r>
-              <a:rPr lang="en-US" sz="6000" dirty="0" smtClean="0"/>
-              <a:t>Insight to Hereditary </a:t>
-            </a:r>
-            <a:r>
-              <a:rPr lang="en-US" sz="6000" dirty="0" err="1" smtClean="0"/>
-              <a:t>Nonpolyposis</a:t>
-            </a:r>
-            <a:r>
-              <a:rPr lang="en-US" sz="6000" dirty="0" smtClean="0"/>
-              <a:t> Colon </a:t>
-            </a:r>
-            <a:r>
-              <a:rPr lang="en-US" sz="6000" dirty="0" smtClean="0"/>
-              <a:t>Cancer.</a:t>
-            </a:r>
-            <a:endParaRPr lang="en-US" sz="6000" b="1" dirty="0" smtClean="0"/>
-          </a:p>
-          <a:p>
-            <a:pPr algn="ctr"/>
-            <a:r>
-              <a:rPr lang="en-US" sz="4800" b="1" baseline="30000" dirty="0" smtClean="0"/>
-              <a:t>Meigan Bryant,</a:t>
-            </a:r>
-            <a:r>
-              <a:rPr lang="en-US" sz="4800" b="1" dirty="0" smtClean="0"/>
-              <a:t> </a:t>
-            </a:r>
-            <a:r>
-              <a:rPr lang="en-US" sz="4800" b="1" baseline="30000" dirty="0" smtClean="0"/>
-              <a:t>Tonia Iwule</a:t>
-            </a:r>
-            <a:r>
-              <a:rPr lang="en-US" sz="4800" b="1" baseline="30000" dirty="0"/>
-              <a:t> </a:t>
-            </a:r>
-            <a:endParaRPr lang="en-US" sz="4800" b="1" baseline="30000" dirty="0" smtClean="0"/>
-          </a:p>
-          <a:p>
-            <a:pPr algn="ctr"/>
-            <a:r>
-              <a:rPr lang="en-US" sz="4800" b="1" baseline="30000" dirty="0" smtClean="0"/>
-              <a:t>Advisor: Dr</a:t>
-            </a:r>
-            <a:r>
-              <a:rPr lang="en-US" sz="4800" b="1" baseline="30000" dirty="0"/>
-              <a:t>. Hong </a:t>
-            </a:r>
-            <a:r>
-              <a:rPr lang="en-US" sz="4800" b="1" baseline="30000" dirty="0" smtClean="0"/>
-              <a:t>Qin</a:t>
-            </a:r>
-            <a:r>
-              <a:rPr lang="en-US" sz="4800" b="1" dirty="0" smtClean="0"/>
-              <a:t> </a:t>
-            </a:r>
-          </a:p>
-          <a:p>
-            <a:pPr algn="ctr">
-              <a:lnSpc>
-                <a:spcPct val="80000"/>
-              </a:lnSpc>
-            </a:pPr>
-            <a:r>
-              <a:rPr lang="en-US" sz="4000" b="1" dirty="0" smtClean="0"/>
-              <a:t>Department of Biology, Spelman College, Atlanta, GA 30314</a:t>
-            </a:r>
-          </a:p>
-        </p:txBody>
-      </p:sp>
-      <p:sp>
-        <p:nvSpPr>
-          <p:cNvPr id="14356" name="Text Box 66"/>
+            <a:pPr algn="ctr" eaLnBrk="0" hangingPunct="0"/>
+            <a:r>
+              <a:rPr lang="en-US" sz="4400" b="1" i="1" dirty="0">
+                <a:solidFill>
+                  <a:srgbClr val="0CA413"/>
+                </a:solidFill>
+              </a:rPr>
+              <a:t>Introduction</a:t>
+            </a:r>
+            <a:endParaRPr lang="en-US" dirty="0">
+              <a:solidFill>
+                <a:srgbClr val="0CA413"/>
+              </a:solidFill>
+            </a:endParaRPr>
+          </a:p>
+        </p:txBody>
+      </p:sp>
+      <p:sp>
+        <p:nvSpPr>
+          <p:cNvPr id="14358" name="Text Box 73"/>
           <p:cNvSpPr txBox="1">
             <a:spLocks noChangeArrowheads="1"/>
           </p:cNvSpPr>
@@ -4326,8 +4376,8 @@
         </p:nvSpPr>
         <p:spPr bwMode="auto">
           <a:xfrm>
-            <a:off x="2943225" y="17097375"/>
-            <a:ext cx="3722688" cy="762000"/>
+            <a:off x="14430542" y="5520489"/>
+            <a:ext cx="8229600" cy="762000"/>
           </a:xfrm>
           <a:prstGeom prst="rect">
             <a:avLst/>
@@ -4351,16 +4401,16 @@
           <a:p>
             <a:pPr algn="ctr" eaLnBrk="0" hangingPunct="0"/>
             <a:r>
-              <a:rPr lang="en-US" sz="4400" b="1" i="1" dirty="0">
+              <a:rPr lang="en-US" sz="4400" b="1" i="1" dirty="0" smtClean="0">
                 <a:solidFill>
-                  <a:srgbClr val="00009C"/>
+                  <a:srgbClr val="0CA413"/>
                 </a:solidFill>
               </a:rPr>
-              <a:t>Introduction</a:t>
+              <a:t>Materials and Methods </a:t>
             </a:r>
             <a:endParaRPr lang="en-US" dirty="0">
               <a:solidFill>
-                <a:srgbClr val="00009C"/>
+                <a:srgbClr val="0CA413"/>
               </a:solidFill>
             </a:endParaRPr>
           </a:p>
@@ -4368,7 +4418,7 @@
       </p:sp>
       <p:sp>
         <p:nvSpPr>
-          <p:cNvPr id="14358" name="Text Box 73"/>
+          <p:cNvPr id="14364" name="Text Box 56"/>
           <p:cNvSpPr txBox="1">
             <a:spLocks noChangeArrowheads="1"/>
           </p:cNvSpPr>
@@ -4376,8 +4426,8 @@
         </p:nvSpPr>
         <p:spPr bwMode="auto">
           <a:xfrm>
-            <a:off x="14430542" y="5520489"/>
-            <a:ext cx="8229600" cy="762000"/>
+            <a:off x="14856783" y="13015913"/>
+            <a:ext cx="8172450" cy="762000"/>
           </a:xfrm>
           <a:prstGeom prst="rect">
             <a:avLst/>
@@ -4401,66 +4451,16 @@
           <a:p>
             <a:pPr algn="ctr" eaLnBrk="0" hangingPunct="0"/>
             <a:r>
-              <a:rPr lang="en-US" sz="4400" b="1" i="1" dirty="0" smtClean="0">
-                <a:solidFill>
-                  <a:srgbClr val="00009C"/>
-                </a:solidFill>
-              </a:rPr>
-              <a:t>Materials and Methods </a:t>
-            </a:r>
-            <a:endParaRPr lang="en-US" dirty="0">
-              <a:solidFill>
-                <a:srgbClr val="00009C"/>
-              </a:solidFill>
-            </a:endParaRPr>
-          </a:p>
-        </p:txBody>
-      </p:sp>
-      <p:sp>
-        <p:nvSpPr>
-          <p:cNvPr id="14364" name="Text Box 56"/>
-          <p:cNvSpPr txBox="1">
-            <a:spLocks noChangeArrowheads="1"/>
-          </p:cNvSpPr>
-          <p:nvPr/>
-        </p:nvSpPr>
-        <p:spPr bwMode="auto">
-          <a:xfrm>
-            <a:off x="14613926" y="12235714"/>
-            <a:ext cx="8172450" cy="762000"/>
-          </a:xfrm>
-          <a:prstGeom prst="rect">
-            <a:avLst/>
-          </a:prstGeom>
-          <a:noFill/>
-          <a:ln w="9525">
-            <a:noFill/>
-            <a:miter lim="800000"/>
-            <a:headEnd/>
-            <a:tailEnd/>
-          </a:ln>
-        </p:spPr>
-        <p:txBody>
-          <a:bodyPr>
-            <a:prstTxWarp prst="textNoShape">
-              <a:avLst/>
-            </a:prstTxWarp>
-            <a:spAutoFit/>
-          </a:bodyPr>
-          <a:lstStyle/>
-          <a:p>
-            <a:pPr algn="ctr" eaLnBrk="0" hangingPunct="0"/>
-            <a:r>
               <a:rPr lang="en-US" sz="4400" b="1" i="1" dirty="0">
                 <a:solidFill>
-                  <a:srgbClr val="00009C"/>
+                  <a:srgbClr val="0CA413"/>
                 </a:solidFill>
               </a:rPr>
               <a:t>Results</a:t>
             </a:r>
             <a:endParaRPr lang="en-US" dirty="0">
               <a:solidFill>
-                <a:srgbClr val="00009C"/>
+                <a:srgbClr val="0CA413"/>
               </a:solidFill>
             </a:endParaRPr>
           </a:p>
@@ -4653,14 +4653,14 @@
             <a:r>
               <a:rPr lang="en-US" sz="4400" b="1" i="1" dirty="0">
                 <a:solidFill>
-                  <a:srgbClr val="00009C"/>
+                  <a:srgbClr val="0CA413"/>
                 </a:solidFill>
               </a:rPr>
               <a:t>Abstract</a:t>
             </a:r>
             <a:endParaRPr lang="en-US" dirty="0">
               <a:solidFill>
-                <a:srgbClr val="00009C"/>
+                <a:srgbClr val="0CA413"/>
               </a:solidFill>
             </a:endParaRPr>
           </a:p>
@@ -4676,7 +4676,7 @@
         </p:nvSpPr>
         <p:spPr bwMode="auto">
           <a:xfrm>
-            <a:off x="1143000" y="6477000"/>
+            <a:off x="1143000" y="6172200"/>
             <a:ext cx="8991600" cy="10418237"/>
           </a:xfrm>
           <a:prstGeom prst="rect">
@@ -4766,14 +4766,14 @@
             <a:r>
               <a:rPr lang="en-US" sz="4400" b="1" i="1" dirty="0" smtClean="0">
                 <a:solidFill>
-                  <a:srgbClr val="00009C"/>
+                  <a:srgbClr val="0CA413"/>
                 </a:solidFill>
               </a:rPr>
               <a:t>Summary and Conclusion</a:t>
             </a:r>
             <a:endParaRPr lang="en-US" dirty="0">
               <a:solidFill>
-                <a:srgbClr val="00009C"/>
+                <a:srgbClr val="0CA413"/>
               </a:solidFill>
             </a:endParaRPr>
           </a:p>
@@ -4791,7 +4791,7 @@
           <a:blip r:embed="rId3">
             <a:extLst>
               <a:ext uri="{28A0092B-C50C-407E-A947-70E740481C1C}">
-                <a14:useLocalDpi xmlns:a14="http://schemas.microsoft.com/office/drawing/2010/main" xmlns="" val="0"/>
+                <a14:useLocalDpi xmlns:a14="http://schemas.microsoft.com/office/drawing/2010/main" val="0"/>
               </a:ext>
             </a:extLst>
           </a:blip>
@@ -4821,7 +4821,7 @@
           <a:blip r:embed="rId3">
             <a:extLst>
               <a:ext uri="{28A0092B-C50C-407E-A947-70E740481C1C}">
-                <a14:useLocalDpi xmlns:a14="http://schemas.microsoft.com/office/drawing/2010/main" xmlns="" val="0"/>
+                <a14:useLocalDpi xmlns:a14="http://schemas.microsoft.com/office/drawing/2010/main" val="0"/>
               </a:ext>
             </a:extLst>
           </a:blip>
@@ -4847,7 +4847,7 @@
         </p:nvSpPr>
         <p:spPr>
           <a:xfrm>
-            <a:off x="1447800" y="32004000"/>
+            <a:off x="1552575" y="33856910"/>
             <a:ext cx="6781800" cy="769441"/>
           </a:xfrm>
           <a:prstGeom prst="rect">
@@ -4864,14 +4864,14 @@
             <a:r>
               <a:rPr lang="en-US" sz="4400" b="1" i="1" dirty="0" smtClean="0">
                 <a:solidFill>
-                  <a:srgbClr val="00009C"/>
+                  <a:srgbClr val="0CA413"/>
                 </a:solidFill>
               </a:rPr>
               <a:t>Experimental Objective </a:t>
             </a:r>
             <a:endParaRPr lang="en-US" sz="4400" b="1" i="1" dirty="0">
               <a:solidFill>
-                <a:srgbClr val="00009C"/>
+                <a:srgbClr val="0CA413"/>
               </a:solidFill>
             </a:endParaRPr>
           </a:p>
@@ -4911,7 +4911,7 @@
         </p:nvSpPr>
         <p:spPr>
           <a:xfrm>
-            <a:off x="794544" y="18251865"/>
+            <a:off x="794543" y="16992600"/>
             <a:ext cx="9220200" cy="8956298"/>
           </a:xfrm>
           <a:prstGeom prst="rect">
@@ -4993,8 +4993,8 @@
         </p:nvSpPr>
         <p:spPr>
           <a:xfrm>
-            <a:off x="29413200" y="27584400"/>
-            <a:ext cx="10058400" cy="4524315"/>
+            <a:off x="28374975" y="28806653"/>
+            <a:ext cx="10058400" cy="5016758"/>
           </a:xfrm>
           <a:prstGeom prst="rect">
             <a:avLst/>
@@ -5006,6 +5006,10 @@
           </a:bodyPr>
           <a:lstStyle/>
           <a:p>
+            <a:pPr marL="457200" indent="-457200">
+              <a:buFont typeface="Arial" panose="020B0604020202020204" pitchFamily="34" charset="0"/>
+              <a:buChar char="•"/>
+            </a:pPr>
             <a:r>
               <a:rPr lang="en-US" sz="3200" dirty="0" err="1"/>
               <a:t>Gammie</a:t>
@@ -5031,6 +5035,10 @@
             <a:endParaRPr lang="en-US" sz="3200" dirty="0"/>
           </a:p>
           <a:p>
+            <a:pPr marL="457200" indent="-457200">
+              <a:buFont typeface="Arial" panose="020B0604020202020204" pitchFamily="34" charset="0"/>
+              <a:buChar char="•"/>
+            </a:pPr>
             <a:r>
               <a:rPr lang="en-US" sz="3200" dirty="0" err="1"/>
               <a:t>Gammie</a:t>
@@ -5066,8 +5074,8 @@
         </p:nvSpPr>
         <p:spPr>
           <a:xfrm>
-            <a:off x="28346400" y="34290000"/>
-            <a:ext cx="8991600" cy="1077218"/>
+            <a:off x="28374975" y="34594651"/>
+            <a:ext cx="8991600" cy="1569660"/>
           </a:xfrm>
           <a:prstGeom prst="rect">
             <a:avLst/>
@@ -5082,15 +5090,7 @@
           <a:p>
             <a:r>
               <a:rPr lang="en-US" sz="3200" dirty="0" smtClean="0"/>
-              <a:t>Dr. Hong Qin, Dr. </a:t>
-            </a:r>
-            <a:r>
-              <a:rPr lang="en-US" sz="3200" dirty="0" err="1" smtClean="0"/>
-              <a:t>Dongfang</a:t>
-            </a:r>
-            <a:r>
-              <a:rPr lang="en-US" sz="3200" dirty="0" smtClean="0"/>
-              <a:t> Wang, and Dr. Stephen </a:t>
+              <a:t>Dr. Hong Qin, Dr. Stephen </a:t>
             </a:r>
             <a:r>
               <a:rPr lang="en-US" sz="3200" dirty="0" err="1" smtClean="0"/>
@@ -5098,7 +5098,7 @@
             </a:r>
             <a:r>
               <a:rPr lang="en-US" sz="3200" dirty="0" smtClean="0"/>
-              <a:t> for helping us in the laboratory this semester.</a:t>
+              <a:t>, and all of our classmates for being of great help and support throughout the semester.</a:t>
             </a:r>
             <a:endParaRPr lang="en-US" sz="3200" dirty="0"/>
           </a:p>
@@ -5143,7 +5143,7 @@
           <a:blip r:embed="rId4">
             <a:extLst>
               <a:ext uri="{28A0092B-C50C-407E-A947-70E740481C1C}">
-                <a14:useLocalDpi xmlns:a14="http://schemas.microsoft.com/office/drawing/2010/main" xmlns="" val="0"/>
+                <a14:useLocalDpi xmlns:a14="http://schemas.microsoft.com/office/drawing/2010/main" val="0"/>
               </a:ext>
             </a:extLst>
           </a:blip>
@@ -5153,8 +5153,8 @@
         </p:blipFill>
         <p:spPr>
           <a:xfrm>
-            <a:off x="1219200" y="26136600"/>
-            <a:ext cx="7924800" cy="6019800"/>
+            <a:off x="852065" y="27177139"/>
+            <a:ext cx="8602967" cy="6593566"/>
           </a:xfrm>
           <a:prstGeom prst="rect">
             <a:avLst/>
@@ -5169,8 +5169,8 @@
         </p:nvSpPr>
         <p:spPr>
           <a:xfrm>
-            <a:off x="11201400" y="12573000"/>
-            <a:ext cx="3539934" cy="941796"/>
+            <a:off x="12538266" y="14401800"/>
+            <a:ext cx="3539934" cy="1070037"/>
           </a:xfrm>
           <a:prstGeom prst="rect">
             <a:avLst/>
@@ -5182,7 +5182,7 @@
           </a:bodyPr>
           <a:lstStyle/>
           <a:p>
-            <a:pPr marL="0" marR="0">
+            <a:pPr marL="0" marR="0" algn="ctr">
               <a:lnSpc>
                 <a:spcPct val="115000"/>
               </a:lnSpc>
@@ -5198,14 +5198,27 @@
                 <a:latin typeface="Times New Roman"/>
                 <a:ea typeface="Calibri"/>
               </a:rPr>
-              <a:t>PCR and  </a:t>
-            </a:r>
+              <a:t>     PCR and  Restriction                   </a:t>
+            </a:r>
+          </a:p>
+          <a:p>
+            <a:pPr marL="0" marR="0" algn="ctr">
+              <a:lnSpc>
+                <a:spcPct val="115000"/>
+              </a:lnSpc>
+              <a:spcBef>
+                <a:spcPts val="0"/>
+              </a:spcBef>
+              <a:spcAft>
+                <a:spcPts val="1000"/>
+              </a:spcAft>
+            </a:pPr>
             <a:r>
               <a:rPr lang="en-US" b="1" dirty="0" smtClean="0">
                 <a:latin typeface="Times New Roman"/>
                 <a:ea typeface="Calibri"/>
               </a:rPr>
-              <a:t>Restriction Analysis</a:t>
+              <a:t>         Analysis</a:t>
             </a:r>
             <a:endParaRPr lang="en-US" dirty="0">
               <a:effectLst/>
@@ -5223,15 +5236,15 @@
         </p:nvSpPr>
         <p:spPr>
           <a:xfrm>
-            <a:off x="11040695" y="16383000"/>
-            <a:ext cx="7704505" cy="830997"/>
-          </a:xfrm>
-          <a:prstGeom prst="rect">
-            <a:avLst/>
-          </a:prstGeom>
-        </p:spPr>
-        <p:txBody>
-          <a:bodyPr wrap="square">
+            <a:off x="11604397" y="17924372"/>
+            <a:ext cx="4616648" cy="1118425"/>
+          </a:xfrm>
+          <a:prstGeom prst="rect">
+            <a:avLst/>
+          </a:prstGeom>
+        </p:spPr>
+        <p:txBody>
+          <a:bodyPr vert="vert270" wrap="square">
             <a:spAutoFit/>
           </a:bodyPr>
           <a:lstStyle/>
@@ -5284,7 +5297,7 @@
         </p:blipFill>
         <p:spPr bwMode="auto">
           <a:xfrm>
-            <a:off x="12649200" y="17221200"/>
+            <a:off x="11804174" y="19126200"/>
             <a:ext cx="5220970" cy="1524000"/>
           </a:xfrm>
           <a:prstGeom prst="rect">
@@ -5295,7 +5308,7 @@
           </a:ln>
           <a:extLst>
             <a:ext uri="{53640926-AAD7-44D8-BBD7-CCE9431645EC}">
-              <a14:shadowObscured xmlns:a14="http://schemas.microsoft.com/office/drawing/2010/main" xmlns=""/>
+              <a14:shadowObscured xmlns:a14="http://schemas.microsoft.com/office/drawing/2010/main"/>
             </a:ext>
           </a:extLst>
         </p:spPr>
@@ -5308,7 +5321,7 @@
         </p:nvSpPr>
         <p:spPr>
           <a:xfrm>
-            <a:off x="21605638" y="14656002"/>
+            <a:off x="21259800" y="14325600"/>
             <a:ext cx="3746132" cy="461665"/>
           </a:xfrm>
           <a:prstGeom prst="rect">
@@ -5341,8 +5354,8 @@
         </p:nvSpPr>
         <p:spPr>
           <a:xfrm>
-            <a:off x="1737197" y="32891569"/>
-            <a:ext cx="7334893" cy="830997"/>
+            <a:off x="832643" y="34647005"/>
+            <a:ext cx="8397684" cy="830997"/>
           </a:xfrm>
           <a:prstGeom prst="rect">
             <a:avLst/>
@@ -5355,15 +5368,19 @@
           </a:bodyPr>
           <a:lstStyle/>
           <a:p>
+            <a:pPr marL="342900" indent="-342900">
+              <a:buFont typeface="Arial" panose="020B0604020202020204" pitchFamily="34" charset="0"/>
+              <a:buChar char="•"/>
+            </a:pPr>
             <a:r>
               <a:rPr lang="en-US" b="1" dirty="0" smtClean="0"/>
-              <a:t>Using yeast MSH2 to study the  molecular mechanism </a:t>
+              <a:t>The objective of this experiment is to determine if the study </a:t>
             </a:r>
           </a:p>
           <a:p>
             <a:r>
               <a:rPr lang="en-US" b="1" dirty="0" smtClean="0"/>
-              <a:t>of the pathogenic human MSH2 mutations.  </a:t>
+              <a:t>of human MSH2 mutation in yeast provides insight to HNPCC</a:t>
             </a:r>
             <a:endParaRPr lang="en-US" b="1" dirty="0"/>
           </a:p>
@@ -5377,7 +5394,7 @@
         </p:nvSpPr>
         <p:spPr>
           <a:xfrm>
-            <a:off x="9829800" y="23698200"/>
+            <a:off x="17608660" y="23367139"/>
             <a:ext cx="6866623" cy="461665"/>
           </a:xfrm>
           <a:prstGeom prst="rect">
@@ -5409,7 +5426,7 @@
           <a:blip r:embed="rId6">
             <a:extLst>
               <a:ext uri="{28A0092B-C50C-407E-A947-70E740481C1C}">
-                <a14:useLocalDpi xmlns:a14="http://schemas.microsoft.com/office/drawing/2010/main" xmlns="" val="0"/>
+                <a14:useLocalDpi xmlns:a14="http://schemas.microsoft.com/office/drawing/2010/main" val="0"/>
               </a:ext>
             </a:extLst>
           </a:blip>
@@ -5420,7 +5437,7 @@
         </p:blipFill>
         <p:spPr bwMode="auto">
           <a:xfrm>
-            <a:off x="11811000" y="24688800"/>
+            <a:off x="12649200" y="23851060"/>
             <a:ext cx="4083837" cy="3442374"/>
           </a:xfrm>
           <a:prstGeom prst="rect">
@@ -5433,14 +5450,14 @@
           <a:effectLst/>
           <a:extLst>
             <a:ext uri="{909E8E84-426E-40DD-AFC4-6F175D3DCCD1}">
-              <a14:hiddenFill xmlns:a14="http://schemas.microsoft.com/office/drawing/2010/main" xmlns="">
+              <a14:hiddenFill xmlns:a14="http://schemas.microsoft.com/office/drawing/2010/main">
                 <a:solidFill>
                   <a:schemeClr val="accent1"/>
                 </a:solidFill>
               </a14:hiddenFill>
             </a:ext>
             <a:ext uri="{91240B29-F687-4F45-9708-019B960494DF}">
-              <a14:hiddenLine xmlns:a14="http://schemas.microsoft.com/office/drawing/2010/main" xmlns="" w="9525">
+              <a14:hiddenLine xmlns:a14="http://schemas.microsoft.com/office/drawing/2010/main" w="9525">
                 <a:solidFill>
                   <a:schemeClr val="tx1"/>
                 </a:solidFill>
@@ -5450,7 +5467,7 @@
               </a14:hiddenLine>
             </a:ext>
             <a:ext uri="{AF507438-7753-43E0-B8FC-AC1667EBCBE1}">
-              <a14:hiddenEffects xmlns:a14="http://schemas.microsoft.com/office/drawing/2010/main" xmlns="">
+              <a14:hiddenEffects xmlns:a14="http://schemas.microsoft.com/office/drawing/2010/main">
                 <a:effectLst>
                   <a:outerShdw dist="35921" dir="2700000" algn="ctr" rotWithShape="0">
                     <a:schemeClr val="bg2"/>
@@ -5471,7 +5488,7 @@
           <a:blip r:embed="rId7" cstate="print">
             <a:extLst>
               <a:ext uri="{28A0092B-C50C-407E-A947-70E740481C1C}">
-                <a14:useLocalDpi xmlns:a14="http://schemas.microsoft.com/office/drawing/2010/main" xmlns="" val="0"/>
+                <a14:useLocalDpi xmlns:a14="http://schemas.microsoft.com/office/drawing/2010/main" val="0"/>
               </a:ext>
             </a:extLst>
           </a:blip>
@@ -5482,8 +5499,8 @@
         </p:blipFill>
         <p:spPr bwMode="auto">
           <a:xfrm>
-            <a:off x="12988734" y="6105525"/>
-            <a:ext cx="11049000" cy="6019800"/>
+            <a:off x="11631493" y="6552671"/>
+            <a:ext cx="12295307" cy="6463241"/>
           </a:xfrm>
           <a:prstGeom prst="rect">
             <a:avLst/>
@@ -5503,7 +5520,7 @@
           <a:blip r:embed="rId8">
             <a:extLst>
               <a:ext uri="{28A0092B-C50C-407E-A947-70E740481C1C}">
-                <a14:useLocalDpi xmlns:a14="http://schemas.microsoft.com/office/drawing/2010/main" xmlns="" val="0"/>
+                <a14:useLocalDpi xmlns:a14="http://schemas.microsoft.com/office/drawing/2010/main" val="0"/>
               </a:ext>
             </a:extLst>
           </a:blip>
@@ -5527,14 +5544,14 @@
           <a:effectLst/>
           <a:extLst>
             <a:ext uri="{909E8E84-426E-40DD-AFC4-6F175D3DCCD1}">
-              <a14:hiddenFill xmlns:a14="http://schemas.microsoft.com/office/drawing/2010/main" xmlns="">
+              <a14:hiddenFill xmlns:a14="http://schemas.microsoft.com/office/drawing/2010/main">
                 <a:solidFill>
                   <a:schemeClr val="accent1"/>
                 </a:solidFill>
               </a14:hiddenFill>
             </a:ext>
             <a:ext uri="{91240B29-F687-4F45-9708-019B960494DF}">
-              <a14:hiddenLine xmlns:a14="http://schemas.microsoft.com/office/drawing/2010/main" xmlns="" w="9525">
+              <a14:hiddenLine xmlns:a14="http://schemas.microsoft.com/office/drawing/2010/main" w="9525">
                 <a:solidFill>
                   <a:schemeClr val="tx1"/>
                 </a:solidFill>
@@ -5544,7 +5561,7 @@
               </a14:hiddenLine>
             </a:ext>
             <a:ext uri="{AF507438-7753-43E0-B8FC-AC1667EBCBE1}">
-              <a14:hiddenEffects xmlns:a14="http://schemas.microsoft.com/office/drawing/2010/main" xmlns="">
+              <a14:hiddenEffects xmlns:a14="http://schemas.microsoft.com/office/drawing/2010/main">
                 <a:effectLst>
                   <a:outerShdw dist="35921" dir="2700000" algn="ctr" rotWithShape="0">
                     <a:schemeClr val="bg2"/>
@@ -5563,7 +5580,7 @@
         </p:nvSpPr>
         <p:spPr>
           <a:xfrm>
-            <a:off x="15163800" y="14706600"/>
+            <a:off x="12954000" y="16687800"/>
             <a:ext cx="1143000" cy="914401"/>
           </a:xfrm>
           <a:prstGeom prst="rect">
@@ -5609,7 +5626,7 @@
         </p:nvSpPr>
         <p:spPr>
           <a:xfrm>
-            <a:off x="12718047" y="13487400"/>
+            <a:off x="10668000" y="15392400"/>
             <a:ext cx="6636753" cy="1569660"/>
           </a:xfrm>
           <a:prstGeom prst="rect">
@@ -5648,16 +5665,23 @@
                 <a:latin typeface="Courier New" pitchFamily="49" charset="0"/>
                 <a:cs typeface="Courier New" pitchFamily="49" charset="0"/>
               </a:rPr>
-              <a:t>CCAGT 3’  WT </a:t>
-            </a:r>
-            <a:r>
-              <a:rPr lang="en-US" dirty="0" err="1" smtClean="0">
+              <a:t>CCAGT 3’  </a:t>
+            </a:r>
+            <a:r>
+              <a:rPr lang="en-US" i="1" dirty="0" smtClean="0">
+                <a:latin typeface="Courier New" pitchFamily="49" charset="0"/>
+                <a:cs typeface="Courier New" pitchFamily="49" charset="0"/>
+              </a:rPr>
+              <a:t>WT </a:t>
+            </a:r>
+            <a:r>
+              <a:rPr lang="en-US" i="1" dirty="0" err="1" smtClean="0">
                 <a:latin typeface="Courier New" pitchFamily="49" charset="0"/>
                 <a:cs typeface="Courier New" pitchFamily="49" charset="0"/>
               </a:rPr>
               <a:t>Histidine</a:t>
             </a:r>
-            <a:endParaRPr lang="en-US" dirty="0" smtClean="0">
+            <a:endParaRPr lang="en-US" i="1" dirty="0" smtClean="0">
               <a:latin typeface="Courier New" pitchFamily="49" charset="0"/>
               <a:cs typeface="Courier New" pitchFamily="49" charset="0"/>
             </a:endParaRPr>
@@ -5668,14 +5692,7 @@
                 <a:latin typeface="Courier New" pitchFamily="49" charset="0"/>
                 <a:cs typeface="Courier New" pitchFamily="49" charset="0"/>
               </a:rPr>
-              <a:t>3’ </a:t>
-            </a:r>
-            <a:r>
-              <a:rPr lang="en-US" dirty="0" smtClean="0">
-                <a:latin typeface="Courier New" pitchFamily="49" charset="0"/>
-                <a:cs typeface="Courier New" pitchFamily="49" charset="0"/>
-              </a:rPr>
-              <a:t>AGGGCAA</a:t>
+              <a:t>3’ AGGGCAA</a:t>
             </a:r>
             <a:r>
               <a:rPr lang="en-US" b="1" dirty="0" smtClean="0">
@@ -5692,14 +5709,7 @@
                 <a:latin typeface="Courier New" pitchFamily="49" charset="0"/>
                 <a:cs typeface="Courier New" pitchFamily="49" charset="0"/>
               </a:rPr>
-              <a:t>GGTCA </a:t>
-            </a:r>
-            <a:r>
-              <a:rPr lang="en-US" dirty="0" smtClean="0">
-                <a:latin typeface="Courier New" pitchFamily="49" charset="0"/>
-                <a:cs typeface="Courier New" pitchFamily="49" charset="0"/>
-              </a:rPr>
-              <a:t>5’</a:t>
+              <a:t>GGTCA 5’</a:t>
             </a:r>
             <a:endParaRPr lang="en-US" dirty="0" smtClean="0"/>
           </a:p>
@@ -5715,36 +5725,6 @@
               <a:latin typeface="Courier New" pitchFamily="49" charset="0"/>
               <a:cs typeface="Courier New" pitchFamily="49" charset="0"/>
             </a:endParaRPr>
-          </a:p>
-        </p:txBody>
-      </p:sp>
-      <p:sp>
-        <p:nvSpPr>
-          <p:cNvPr id="70" name="TextBox 69"/>
-          <p:cNvSpPr txBox="1"/>
-          <p:nvPr/>
-        </p:nvSpPr>
-        <p:spPr>
-          <a:xfrm>
-            <a:off x="12886983" y="22028528"/>
-            <a:ext cx="2292807" cy="461665"/>
-          </a:xfrm>
-          <a:prstGeom prst="rect">
-            <a:avLst/>
-          </a:prstGeom>
-          <a:noFill/>
-        </p:spPr>
-        <p:txBody>
-          <a:bodyPr wrap="none" rtlCol="0">
-            <a:spAutoFit/>
-          </a:bodyPr>
-          <a:lstStyle/>
-          <a:p>
-            <a:r>
-              <a:rPr lang="en-US" dirty="0" smtClean="0"/>
-              <a:t>Mutant, Tyrosine</a:t>
-            </a:r>
-            <a:endParaRPr lang="en-US" dirty="0"/>
           </a:p>
         </p:txBody>
       </p:sp>
@@ -5760,7 +5740,7 @@
           <a:blip r:embed="rId9">
             <a:extLst>
               <a:ext uri="{28A0092B-C50C-407E-A947-70E740481C1C}">
-                <a14:useLocalDpi xmlns:a14="http://schemas.microsoft.com/office/drawing/2010/main" xmlns="" val="0"/>
+                <a14:useLocalDpi xmlns:a14="http://schemas.microsoft.com/office/drawing/2010/main" val="0"/>
               </a:ext>
             </a:extLst>
           </a:blip>
@@ -5771,7 +5751,7 @@
         </p:blipFill>
         <p:spPr bwMode="auto">
           <a:xfrm>
-            <a:off x="19880021" y="15634754"/>
+            <a:off x="19880021" y="15482354"/>
             <a:ext cx="3078163" cy="3078162"/>
           </a:xfrm>
           <a:prstGeom prst="rect">
@@ -5784,14 +5764,14 @@
           <a:effectLst/>
           <a:extLst>
             <a:ext uri="{909E8E84-426E-40DD-AFC4-6F175D3DCCD1}">
-              <a14:hiddenFill xmlns:a14="http://schemas.microsoft.com/office/drawing/2010/main" xmlns="">
+              <a14:hiddenFill xmlns:a14="http://schemas.microsoft.com/office/drawing/2010/main">
                 <a:solidFill>
                   <a:schemeClr val="accent1"/>
                 </a:solidFill>
               </a14:hiddenFill>
             </a:ext>
             <a:ext uri="{91240B29-F687-4F45-9708-019B960494DF}">
-              <a14:hiddenLine xmlns:a14="http://schemas.microsoft.com/office/drawing/2010/main" xmlns="" w="9525">
+              <a14:hiddenLine xmlns:a14="http://schemas.microsoft.com/office/drawing/2010/main" w="9525">
                 <a:solidFill>
                   <a:schemeClr val="tx1"/>
                 </a:solidFill>
@@ -5801,7 +5781,7 @@
               </a14:hiddenLine>
             </a:ext>
             <a:ext uri="{AF507438-7753-43E0-B8FC-AC1667EBCBE1}">
-              <a14:hiddenEffects xmlns:a14="http://schemas.microsoft.com/office/drawing/2010/main" xmlns="">
+              <a14:hiddenEffects xmlns:a14="http://schemas.microsoft.com/office/drawing/2010/main">
                 <a:effectLst>
                   <a:outerShdw dist="35921" dir="2700000" algn="ctr" rotWithShape="0">
                     <a:schemeClr val="bg2"/>
@@ -5822,7 +5802,7 @@
           <a:blip r:embed="rId10" cstate="print">
             <a:extLst>
               <a:ext uri="{28A0092B-C50C-407E-A947-70E740481C1C}">
-                <a14:useLocalDpi xmlns:a14="http://schemas.microsoft.com/office/drawing/2010/main" xmlns="" val="0"/>
+                <a14:useLocalDpi xmlns:a14="http://schemas.microsoft.com/office/drawing/2010/main" val="0"/>
               </a:ext>
             </a:extLst>
           </a:blip>
@@ -5831,7 +5811,7 @@
         </p:blipFill>
         <p:spPr bwMode="auto">
           <a:xfrm>
-            <a:off x="23545800" y="15544800"/>
+            <a:off x="23545800" y="15392400"/>
             <a:ext cx="2905125" cy="3062548"/>
           </a:xfrm>
           <a:prstGeom prst="rect">
@@ -5842,7 +5822,7 @@
           </a:ln>
           <a:extLst>
             <a:ext uri="{53640926-AAD7-44D8-BBD7-CCE9431645EC}">
-              <a14:shadowObscured xmlns:a14="http://schemas.microsoft.com/office/drawing/2010/main" xmlns=""/>
+              <a14:shadowObscured xmlns:a14="http://schemas.microsoft.com/office/drawing/2010/main"/>
             </a:ext>
           </a:extLst>
         </p:spPr>
@@ -5855,7 +5835,7 @@
         </p:nvSpPr>
         <p:spPr>
           <a:xfrm>
-            <a:off x="23926800" y="15163800"/>
+            <a:off x="23926800" y="15011400"/>
             <a:ext cx="1905000" cy="461665"/>
           </a:xfrm>
           <a:prstGeom prst="rect">
@@ -5885,7 +5865,7 @@
         </p:nvSpPr>
         <p:spPr>
           <a:xfrm>
-            <a:off x="12801600" y="14859000"/>
+            <a:off x="10591800" y="16687800"/>
             <a:ext cx="6901441" cy="830997"/>
           </a:xfrm>
           <a:prstGeom prst="rect">
@@ -5921,22 +5901,11 @@
                 <a:latin typeface="Courier New" pitchFamily="49" charset="0"/>
                 <a:cs typeface="Courier New" pitchFamily="49" charset="0"/>
               </a:rPr>
-              <a:t>CCAGT </a:t>
-            </a:r>
-            <a:r>
-              <a:rPr lang="en-US" dirty="0" smtClean="0">
-                <a:latin typeface="Courier New" pitchFamily="49" charset="0"/>
-                <a:cs typeface="Courier New" pitchFamily="49" charset="0"/>
-              </a:rPr>
-              <a:t>3’    </a:t>
-            </a:r>
-            <a:r>
-              <a:rPr lang="en-US" dirty="0" smtClean="0"/>
-              <a:t>Mutant</a:t>
-            </a:r>
-            <a:r>
-              <a:rPr lang="en-US" dirty="0" smtClean="0"/>
-              <a:t>, Tyrosine</a:t>
+              <a:t>CCAGT 3’    </a:t>
+            </a:r>
+            <a:r>
+              <a:rPr lang="en-US" i="1" dirty="0" smtClean="0"/>
+              <a:t>Mutant, Tyrosine</a:t>
             </a:r>
           </a:p>
           <a:p>
@@ -5976,7 +5945,7 @@
         </p:nvSpPr>
         <p:spPr>
           <a:xfrm>
-            <a:off x="15316200" y="15925800"/>
+            <a:off x="13106400" y="17678400"/>
             <a:ext cx="902811" cy="461665"/>
           </a:xfrm>
           <a:prstGeom prst="rect">
@@ -6018,7 +5987,7 @@
         </p:nvSpPr>
         <p:spPr bwMode="auto">
           <a:xfrm>
-            <a:off x="20574000" y="18669000"/>
+            <a:off x="19812000" y="18745200"/>
             <a:ext cx="7310843" cy="1569660"/>
           </a:xfrm>
           <a:prstGeom prst="rect">
@@ -6078,7 +6047,7 @@
         </p:nvGrpSpPr>
         <p:grpSpPr bwMode="auto">
           <a:xfrm>
-            <a:off x="21945600" y="23546109"/>
+            <a:off x="22164675" y="31847135"/>
             <a:ext cx="2733675" cy="1727200"/>
             <a:chOff x="3270" y="2608"/>
             <a:chExt cx="1722" cy="1088"/>
@@ -6587,7 +6556,7 @@
         </p:nvSpPr>
         <p:spPr bwMode="auto">
           <a:xfrm>
-            <a:off x="20878800" y="22098309"/>
+            <a:off x="21097875" y="30399335"/>
             <a:ext cx="3962400" cy="1006475"/>
           </a:xfrm>
           <a:prstGeom prst="rect">
@@ -6671,7 +6640,7 @@
         </p:nvGrpSpPr>
         <p:grpSpPr bwMode="auto">
           <a:xfrm>
-            <a:off x="18897600" y="19659600"/>
+            <a:off x="19158527" y="27736800"/>
             <a:ext cx="7391400" cy="8624965"/>
             <a:chOff x="3072" y="1759"/>
             <a:chExt cx="1824" cy="2129"/>
@@ -6934,7 +6903,7 @@
         </p:nvSpPr>
         <p:spPr bwMode="auto">
           <a:xfrm>
-            <a:off x="19200019" y="24098559"/>
+            <a:off x="19419094" y="32399585"/>
             <a:ext cx="2011363" cy="1695450"/>
           </a:xfrm>
           <a:prstGeom prst="ellipse">
@@ -6968,7 +6937,7 @@
         </p:nvSpPr>
         <p:spPr bwMode="auto">
           <a:xfrm rot="20443655">
-            <a:off x="21063744" y="24428759"/>
+            <a:off x="21282819" y="32729785"/>
             <a:ext cx="122238" cy="658813"/>
           </a:xfrm>
           <a:prstGeom prst="rect">
@@ -7005,7 +6974,7 @@
         </p:nvSpPr>
         <p:spPr bwMode="auto">
           <a:xfrm>
-            <a:off x="20076319" y="24003309"/>
+            <a:off x="20295394" y="32304335"/>
             <a:ext cx="268288" cy="230188"/>
           </a:xfrm>
           <a:prstGeom prst="ellipse">
@@ -7041,7 +7010,7 @@
         </p:nvSpPr>
         <p:spPr bwMode="auto">
           <a:xfrm>
-            <a:off x="21052631" y="25189172"/>
+            <a:off x="21271706" y="33490198"/>
             <a:ext cx="171450" cy="165100"/>
           </a:xfrm>
           <a:prstGeom prst="ellipse">
@@ -7080,7 +7049,7 @@
         </p:nvSpPr>
         <p:spPr bwMode="auto">
           <a:xfrm>
-            <a:off x="19247644" y="25227272"/>
+            <a:off x="19466719" y="33528298"/>
             <a:ext cx="127000" cy="195263"/>
           </a:xfrm>
           <a:prstGeom prst="ellipse">
@@ -7117,7 +7086,7 @@
         </p:nvSpPr>
         <p:spPr bwMode="auto">
           <a:xfrm rot="2837922">
-            <a:off x="19393694" y="24131897"/>
+            <a:off x="19612769" y="32432923"/>
             <a:ext cx="122238" cy="657225"/>
           </a:xfrm>
           <a:prstGeom prst="rect">
@@ -7153,7 +7122,7 @@
         </p:nvSpPr>
         <p:spPr bwMode="auto">
           <a:xfrm>
-            <a:off x="19733419" y="25936884"/>
+            <a:off x="19952494" y="34237910"/>
             <a:ext cx="1341438" cy="304800"/>
           </a:xfrm>
           <a:prstGeom prst="rect">
@@ -7199,7 +7168,7 @@
         </p:nvSpPr>
         <p:spPr bwMode="auto">
           <a:xfrm>
-            <a:off x="19423856" y="24679584"/>
+            <a:off x="19642931" y="32980610"/>
             <a:ext cx="1581150" cy="366713"/>
           </a:xfrm>
           <a:prstGeom prst="rect">
@@ -7241,7 +7210,7 @@
         </p:nvSpPr>
         <p:spPr bwMode="auto">
           <a:xfrm flipH="1">
-            <a:off x="19711194" y="25555884"/>
+            <a:off x="19930269" y="33856910"/>
             <a:ext cx="914400" cy="365125"/>
           </a:xfrm>
           <a:prstGeom prst="rightArrow">
@@ -7285,7 +7254,7 @@
         </p:nvSpPr>
         <p:spPr bwMode="auto">
           <a:xfrm rot="19419185">
-            <a:off x="20625594" y="25433647"/>
+            <a:off x="20844669" y="33734673"/>
             <a:ext cx="487363" cy="242888"/>
           </a:xfrm>
           <a:prstGeom prst="rightArrow">
@@ -7324,7 +7293,7 @@
         </p:nvSpPr>
         <p:spPr bwMode="auto">
           <a:xfrm>
-            <a:off x="20309681" y="24381134"/>
+            <a:off x="20528756" y="32682160"/>
             <a:ext cx="641350" cy="338138"/>
           </a:xfrm>
           <a:prstGeom prst="rect">
@@ -7361,7 +7330,7 @@
         </p:nvCxnSpPr>
         <p:spPr>
           <a:xfrm rot="5400000" flipH="1" flipV="1">
-            <a:off x="21503481" y="24199366"/>
+            <a:off x="21722556" y="32500392"/>
             <a:ext cx="942975" cy="3141662"/>
           </a:xfrm>
           <a:prstGeom prst="curvedConnector4">
@@ -7401,7 +7370,7 @@
         </p:nvSpPr>
         <p:spPr>
           <a:xfrm>
-            <a:off x="21031200" y="25908309"/>
+            <a:off x="21250275" y="34209335"/>
             <a:ext cx="2249334" cy="461665"/>
           </a:xfrm>
           <a:prstGeom prst="rect">
@@ -7431,7 +7400,7 @@
         </p:nvSpPr>
         <p:spPr>
           <a:xfrm>
-            <a:off x="23088600" y="26746509"/>
+            <a:off x="23307675" y="35047535"/>
             <a:ext cx="1295400" cy="461665"/>
           </a:xfrm>
           <a:prstGeom prst="rect">
@@ -7472,7 +7441,7 @@
         </p:blipFill>
         <p:spPr bwMode="auto">
           <a:xfrm>
-            <a:off x="25069800" y="25755909"/>
+            <a:off x="25288875" y="34056935"/>
             <a:ext cx="952500" cy="952500"/>
           </a:xfrm>
           <a:prstGeom prst="rect">
@@ -7489,7 +7458,7 @@
         </p:nvSpPr>
         <p:spPr>
           <a:xfrm>
-            <a:off x="25146000" y="26670309"/>
+            <a:off x="25365075" y="34971335"/>
             <a:ext cx="579005" cy="461665"/>
           </a:xfrm>
           <a:prstGeom prst="rect">
@@ -7530,7 +7499,7 @@
         </p:blipFill>
         <p:spPr bwMode="auto">
           <a:xfrm>
-            <a:off x="23241000" y="25984509"/>
+            <a:off x="23460075" y="34285535"/>
             <a:ext cx="1123950" cy="847725"/>
           </a:xfrm>
           <a:prstGeom prst="rect">
@@ -7556,7 +7525,7 @@
         </p:blipFill>
         <p:spPr bwMode="auto">
           <a:xfrm>
-            <a:off x="26746200" y="25070109"/>
+            <a:off x="26812875" y="33371135"/>
             <a:ext cx="1381125" cy="1714500"/>
           </a:xfrm>
           <a:prstGeom prst="rect">
@@ -7573,7 +7542,7 @@
         </p:nvSpPr>
         <p:spPr>
           <a:xfrm>
-            <a:off x="24536400" y="25984509"/>
+            <a:off x="24755475" y="34285535"/>
             <a:ext cx="457200" cy="457200"/>
           </a:xfrm>
           <a:prstGeom prst="rightArrow">
@@ -7613,7 +7582,7 @@
         </p:nvSpPr>
         <p:spPr>
           <a:xfrm>
-            <a:off x="26136600" y="25908309"/>
+            <a:off x="26355675" y="34209335"/>
             <a:ext cx="457200" cy="457200"/>
           </a:xfrm>
           <a:prstGeom prst="rightArrow">
@@ -7655,7 +7624,7 @@
         </p:nvCxnSpPr>
         <p:spPr>
           <a:xfrm rot="16200000" flipH="1">
-            <a:off x="24193500" y="25413009"/>
+            <a:off x="24412575" y="33714035"/>
             <a:ext cx="685800" cy="457200"/>
           </a:xfrm>
           <a:prstGeom prst="straightConnector1">
@@ -7690,8 +7659,8 @@
         </p:nvSpPr>
         <p:spPr bwMode="auto">
           <a:xfrm>
-            <a:off x="15316200" y="26960435"/>
-            <a:ext cx="7310843" cy="461665"/>
+            <a:off x="17373600" y="24677577"/>
+            <a:ext cx="8850348" cy="2308324"/>
           </a:xfrm>
           <a:prstGeom prst="rect">
             <a:avLst/>
@@ -7713,6 +7682,26 @@
           </a:bodyPr>
           <a:lstStyle/>
           <a:p>
+            <a:r>
+              <a:rPr lang="en-US" dirty="0" smtClean="0"/>
+              <a:t>Fig3.  Because </a:t>
+            </a:r>
+            <a:r>
+              <a:rPr lang="en-US" dirty="0"/>
+              <a:t>the cells survived and their frequency is approximately the same throughout the grid, There may </a:t>
+            </a:r>
+            <a:r>
+              <a:rPr lang="en-US" dirty="0" smtClean="0"/>
+              <a:t> be </a:t>
+            </a:r>
+            <a:r>
+              <a:rPr lang="en-US" dirty="0"/>
+              <a:t>a mismatch repair defect. MSH2 is then not functional</a:t>
+            </a:r>
+            <a:r>
+              <a:rPr lang="en-US" dirty="0" smtClean="0"/>
+              <a:t>. But, there may be experimental error. The  vector and wild type lanes may have been switched. The vector should contain more cells due to the absence of MSH2 which provides MMR- </a:t>
+            </a:r>
             <a:endParaRPr lang="en-US" dirty="0"/>
           </a:p>
         </p:txBody>
@@ -7727,7 +7716,7 @@
         </p:nvGrpSpPr>
         <p:grpSpPr bwMode="auto">
           <a:xfrm>
-            <a:off x="16687806" y="31837550"/>
+            <a:off x="12298740" y="31522811"/>
             <a:ext cx="2733678" cy="1727202"/>
             <a:chOff x="3270" y="2608"/>
             <a:chExt cx="1722" cy="1088"/>
@@ -8236,7 +8225,7 @@
         </p:nvSpPr>
         <p:spPr bwMode="auto">
           <a:xfrm>
-            <a:off x="15621000" y="30389744"/>
+            <a:off x="11231934" y="30075005"/>
             <a:ext cx="3962400" cy="1006475"/>
           </a:xfrm>
           <a:prstGeom prst="rect">
@@ -8320,8 +8309,8 @@
         </p:nvGrpSpPr>
         <p:grpSpPr bwMode="auto">
           <a:xfrm>
-            <a:off x="13639800" y="27951035"/>
-            <a:ext cx="7391400" cy="8624965"/>
+            <a:off x="9445507" y="27889200"/>
+            <a:ext cx="7537355" cy="8549569"/>
             <a:chOff x="3072" y="1759"/>
             <a:chExt cx="1824" cy="2129"/>
           </a:xfrm>
@@ -8583,7 +8572,7 @@
         </p:nvSpPr>
         <p:spPr bwMode="auto">
           <a:xfrm>
-            <a:off x="13942219" y="32389994"/>
+            <a:off x="9553153" y="32075255"/>
             <a:ext cx="2011363" cy="1695450"/>
           </a:xfrm>
           <a:prstGeom prst="ellipse">
@@ -8617,7 +8606,7 @@
         </p:nvSpPr>
         <p:spPr bwMode="auto">
           <a:xfrm rot="20443655">
-            <a:off x="15805944" y="32720194"/>
+            <a:off x="11416878" y="32405455"/>
             <a:ext cx="122238" cy="658813"/>
           </a:xfrm>
           <a:prstGeom prst="rect">
@@ -8654,7 +8643,7 @@
         </p:nvSpPr>
         <p:spPr bwMode="auto">
           <a:xfrm>
-            <a:off x="14818519" y="32294744"/>
+            <a:off x="10429453" y="31980005"/>
             <a:ext cx="268288" cy="230188"/>
           </a:xfrm>
           <a:prstGeom prst="ellipse">
@@ -8690,7 +8679,7 @@
         </p:nvSpPr>
         <p:spPr bwMode="auto">
           <a:xfrm>
-            <a:off x="15794831" y="33480607"/>
+            <a:off x="11405765" y="33165868"/>
             <a:ext cx="171450" cy="165100"/>
           </a:xfrm>
           <a:prstGeom prst="ellipse">
@@ -8729,7 +8718,7 @@
         </p:nvSpPr>
         <p:spPr bwMode="auto">
           <a:xfrm>
-            <a:off x="13989844" y="33518707"/>
+            <a:off x="9600778" y="33203968"/>
             <a:ext cx="127000" cy="195263"/>
           </a:xfrm>
           <a:prstGeom prst="ellipse">
@@ -8766,7 +8755,7 @@
         </p:nvSpPr>
         <p:spPr bwMode="auto">
           <a:xfrm rot="2837922">
-            <a:off x="14135894" y="32423332"/>
+            <a:off x="9746828" y="32108593"/>
             <a:ext cx="122238" cy="657225"/>
           </a:xfrm>
           <a:prstGeom prst="rect">
@@ -8802,7 +8791,7 @@
         </p:nvSpPr>
         <p:spPr bwMode="auto">
           <a:xfrm>
-            <a:off x="14475619" y="34228319"/>
+            <a:off x="10086553" y="33913580"/>
             <a:ext cx="1341438" cy="304800"/>
           </a:xfrm>
           <a:prstGeom prst="rect">
@@ -8848,7 +8837,7 @@
         </p:nvSpPr>
         <p:spPr bwMode="auto">
           <a:xfrm>
-            <a:off x="14166056" y="32971019"/>
+            <a:off x="9776990" y="32656280"/>
             <a:ext cx="1581150" cy="366713"/>
           </a:xfrm>
           <a:prstGeom prst="rect">
@@ -8890,7 +8879,7 @@
         </p:nvSpPr>
         <p:spPr bwMode="auto">
           <a:xfrm flipH="1">
-            <a:off x="14453394" y="33847319"/>
+            <a:off x="10064328" y="33532580"/>
             <a:ext cx="914400" cy="365125"/>
           </a:xfrm>
           <a:prstGeom prst="rightArrow">
@@ -8942,7 +8931,7 @@
         </p:nvSpPr>
         <p:spPr bwMode="auto">
           <a:xfrm rot="19419185">
-            <a:off x="15367794" y="33725082"/>
+            <a:off x="10978728" y="33410343"/>
             <a:ext cx="487363" cy="242888"/>
           </a:xfrm>
           <a:prstGeom prst="rightArrow">
@@ -8981,7 +8970,7 @@
         </p:nvSpPr>
         <p:spPr bwMode="auto">
           <a:xfrm>
-            <a:off x="15051881" y="32672569"/>
+            <a:off x="10662815" y="32357830"/>
             <a:ext cx="641350" cy="338138"/>
           </a:xfrm>
           <a:prstGeom prst="rect">
@@ -9018,7 +9007,7 @@
         </p:nvCxnSpPr>
         <p:spPr>
           <a:xfrm rot="5400000" flipH="1" flipV="1">
-            <a:off x="15795510" y="32802628"/>
+            <a:off x="11406444" y="32487889"/>
             <a:ext cx="1081319" cy="2379664"/>
           </a:xfrm>
           <a:prstGeom prst="curvedConnector4">
@@ -9058,7 +9047,7 @@
         </p:nvSpPr>
         <p:spPr>
           <a:xfrm>
-            <a:off x="17830800" y="35037944"/>
+            <a:off x="13441734" y="34723205"/>
             <a:ext cx="1295400" cy="461665"/>
           </a:xfrm>
           <a:prstGeom prst="rect">
@@ -9099,7 +9088,7 @@
         </p:blipFill>
         <p:spPr bwMode="auto">
           <a:xfrm>
-            <a:off x="19812000" y="34047344"/>
+            <a:off x="15422934" y="33732605"/>
             <a:ext cx="952500" cy="952500"/>
           </a:xfrm>
           <a:prstGeom prst="rect">
@@ -9116,7 +9105,7 @@
         </p:nvSpPr>
         <p:spPr>
           <a:xfrm>
-            <a:off x="19888200" y="34961744"/>
+            <a:off x="15499134" y="34647005"/>
             <a:ext cx="579005" cy="461665"/>
           </a:xfrm>
           <a:prstGeom prst="rect">
@@ -9157,7 +9146,7 @@
         </p:blipFill>
         <p:spPr bwMode="auto">
           <a:xfrm>
-            <a:off x="17983200" y="34275944"/>
+            <a:off x="13594134" y="33961205"/>
             <a:ext cx="1123950" cy="847725"/>
           </a:xfrm>
           <a:prstGeom prst="rect">
@@ -9174,7 +9163,7 @@
         </p:nvSpPr>
         <p:spPr>
           <a:xfrm>
-            <a:off x="19278600" y="34275944"/>
+            <a:off x="14889534" y="33961205"/>
             <a:ext cx="457200" cy="457200"/>
           </a:xfrm>
           <a:prstGeom prst="rightArrow">
@@ -9214,7 +9203,7 @@
         </p:nvSpPr>
         <p:spPr>
           <a:xfrm>
-            <a:off x="20878800" y="34199744"/>
+            <a:off x="16489734" y="33885005"/>
             <a:ext cx="457200" cy="457200"/>
           </a:xfrm>
           <a:prstGeom prst="rightArrow">
@@ -9256,7 +9245,7 @@
         </p:nvCxnSpPr>
         <p:spPr>
           <a:xfrm rot="16200000" flipH="1">
-            <a:off x="18935700" y="33704444"/>
+            <a:off x="14546634" y="33389705"/>
             <a:ext cx="685800" cy="457200"/>
           </a:xfrm>
           <a:prstGeom prst="straightConnector1">
@@ -9289,7 +9278,7 @@
         </p:nvSpPr>
         <p:spPr>
           <a:xfrm>
-            <a:off x="16154400" y="34213800"/>
+            <a:off x="11765334" y="33899061"/>
             <a:ext cx="595035" cy="830997"/>
           </a:xfrm>
           <a:prstGeom prst="rect">
@@ -9331,7 +9320,7 @@
         </p:nvSpPr>
         <p:spPr>
           <a:xfrm>
-            <a:off x="18973800" y="33375600"/>
+            <a:off x="14584734" y="33060861"/>
             <a:ext cx="595035" cy="830997"/>
           </a:xfrm>
           <a:prstGeom prst="rect">
@@ -9373,7 +9362,7 @@
         </p:nvSpPr>
         <p:spPr>
           <a:xfrm flipV="1">
-            <a:off x="18973800" y="34061400"/>
+            <a:off x="14584734" y="33746661"/>
             <a:ext cx="762000" cy="830997"/>
           </a:xfrm>
           <a:prstGeom prst="rect">
@@ -9424,7 +9413,7 @@
         </p:blipFill>
         <p:spPr bwMode="auto">
           <a:xfrm>
-            <a:off x="21336000" y="33299400"/>
+            <a:off x="17025311" y="33040142"/>
             <a:ext cx="1971675" cy="1971676"/>
           </a:xfrm>
           <a:prstGeom prst="rect">
@@ -9450,8 +9439,8 @@
         </p:blipFill>
         <p:spPr bwMode="auto">
           <a:xfrm>
-            <a:off x="27795538" y="7540625"/>
-            <a:ext cx="6299200" cy="3784600"/>
+            <a:off x="28041600" y="6829425"/>
+            <a:ext cx="8075612" cy="4851880"/>
           </a:xfrm>
           <a:prstGeom prst="rect">
             <a:avLst/>
@@ -9476,8 +9465,8 @@
         </p:blipFill>
         <p:spPr bwMode="auto">
           <a:xfrm>
-            <a:off x="1066800" y="17907000"/>
-            <a:ext cx="8329612" cy="685800"/>
+            <a:off x="563562" y="26009391"/>
+            <a:ext cx="10880303" cy="895806"/>
           </a:xfrm>
           <a:prstGeom prst="rect">
             <a:avLst/>
@@ -9502,8 +9491,8 @@
         </p:blipFill>
         <p:spPr bwMode="auto">
           <a:xfrm>
-            <a:off x="1447800" y="17678400"/>
-            <a:ext cx="7872412" cy="609600"/>
+            <a:off x="975930" y="25298400"/>
+            <a:ext cx="9983787" cy="773094"/>
           </a:xfrm>
           <a:prstGeom prst="rect">
             <a:avLst/>
@@ -9528,8 +9517,8 @@
         </p:blipFill>
         <p:spPr bwMode="auto">
           <a:xfrm>
-            <a:off x="29260800" y="11811000"/>
-            <a:ext cx="4762500" cy="3171826"/>
+            <a:off x="28965525" y="11534088"/>
+            <a:ext cx="7467600" cy="4973423"/>
           </a:xfrm>
           <a:prstGeom prst="rect">
             <a:avLst/>
@@ -9554,8 +9543,8 @@
         </p:blipFill>
         <p:spPr bwMode="auto">
           <a:xfrm>
-            <a:off x="28575000" y="22631400"/>
-            <a:ext cx="10972800" cy="3810000"/>
+            <a:off x="27904283" y="23367139"/>
+            <a:ext cx="10210800" cy="3810000"/>
           </a:xfrm>
           <a:prstGeom prst="rect">
             <a:avLst/>
@@ -9563,10 +9552,279 @@
           <a:noFill/>
         </p:spPr>
       </p:pic>
+      <p:sp>
+        <p:nvSpPr>
+          <p:cNvPr id="6" name="Rectangle 5"/>
+          <p:cNvSpPr/>
+          <p:nvPr/>
+        </p:nvSpPr>
+        <p:spPr>
+          <a:xfrm>
+            <a:off x="10287000" y="14020800"/>
+            <a:ext cx="8255008" cy="8642013"/>
+          </a:xfrm>
+          <a:prstGeom prst="rect">
+            <a:avLst/>
+          </a:prstGeom>
+          <a:noFill/>
+          <a:ln w="76200">
+            <a:solidFill>
+              <a:srgbClr val="0CA413"/>
+            </a:solidFill>
+          </a:ln>
+        </p:spPr>
+        <p:style>
+          <a:lnRef idx="2">
+            <a:schemeClr val="accent1">
+              <a:shade val="50000"/>
+            </a:schemeClr>
+          </a:lnRef>
+          <a:fillRef idx="1">
+            <a:schemeClr val="accent1"/>
+          </a:fillRef>
+          <a:effectRef idx="0">
+            <a:schemeClr val="accent1"/>
+          </a:effectRef>
+          <a:fontRef idx="minor">
+            <a:schemeClr val="lt1"/>
+          </a:fontRef>
+        </p:style>
+        <p:txBody>
+          <a:bodyPr rtlCol="0" anchor="ctr"/>
+          <a:lstStyle/>
+          <a:p>
+            <a:pPr algn="ctr"/>
+            <a:endParaRPr lang="en-US" b="1" dirty="0"/>
+          </a:p>
+        </p:txBody>
+      </p:sp>
+      <p:sp>
+        <p:nvSpPr>
+          <p:cNvPr id="7" name="TextBox 6"/>
+          <p:cNvSpPr txBox="1"/>
+          <p:nvPr/>
+        </p:nvSpPr>
+        <p:spPr>
+          <a:xfrm>
+            <a:off x="10775325" y="20802600"/>
+            <a:ext cx="7310433" cy="1569660"/>
+          </a:xfrm>
+          <a:prstGeom prst="rect">
+            <a:avLst/>
+          </a:prstGeom>
+          <a:noFill/>
+        </p:spPr>
+        <p:txBody>
+          <a:bodyPr wrap="square" rtlCol="0">
+            <a:spAutoFit/>
+          </a:bodyPr>
+          <a:lstStyle/>
+          <a:p>
+            <a:r>
+              <a:rPr lang="en-US" dirty="0"/>
+              <a:t>Fig1. PCR fragments generated after confirmation of the mutagenized MSH2 by digestion with RE </a:t>
+            </a:r>
+            <a:r>
+              <a:rPr lang="en-US" dirty="0" err="1"/>
+              <a:t>BmrI</a:t>
+            </a:r>
+            <a:r>
+              <a:rPr lang="en-US" dirty="0"/>
+              <a:t>. </a:t>
+            </a:r>
+            <a:r>
+              <a:rPr lang="en-US" dirty="0" err="1"/>
+              <a:t>BmRI</a:t>
+            </a:r>
+            <a:r>
+              <a:rPr lang="en-US" dirty="0"/>
+              <a:t> only cuts the mutagenized plasmid which helps distinguishing between mutant allele and the wild type.</a:t>
+            </a:r>
+          </a:p>
+        </p:txBody>
+      </p:sp>
+      <p:sp>
+        <p:nvSpPr>
+          <p:cNvPr id="8" name="Rectangle 7"/>
+          <p:cNvSpPr/>
+          <p:nvPr/>
+        </p:nvSpPr>
+        <p:spPr>
+          <a:xfrm>
+            <a:off x="18996986" y="13944600"/>
+            <a:ext cx="8392535" cy="6705600"/>
+          </a:xfrm>
+          <a:prstGeom prst="rect">
+            <a:avLst/>
+          </a:prstGeom>
+          <a:noFill/>
+          <a:ln w="76200">
+            <a:solidFill>
+              <a:srgbClr val="0CA413"/>
+            </a:solidFill>
+          </a:ln>
+        </p:spPr>
+        <p:style>
+          <a:lnRef idx="2">
+            <a:schemeClr val="accent1">
+              <a:shade val="50000"/>
+            </a:schemeClr>
+          </a:lnRef>
+          <a:fillRef idx="1">
+            <a:schemeClr val="accent1"/>
+          </a:fillRef>
+          <a:effectRef idx="0">
+            <a:schemeClr val="accent1"/>
+          </a:effectRef>
+          <a:fontRef idx="minor">
+            <a:schemeClr val="lt1"/>
+          </a:fontRef>
+        </p:style>
+        <p:txBody>
+          <a:bodyPr rtlCol="0" anchor="ctr"/>
+          <a:lstStyle/>
+          <a:p>
+            <a:pPr algn="ctr"/>
+            <a:endParaRPr lang="en-US"/>
+          </a:p>
+        </p:txBody>
+      </p:sp>
+      <p:sp>
+        <p:nvSpPr>
+          <p:cNvPr id="12" name="Rectangle 11"/>
+          <p:cNvSpPr/>
+          <p:nvPr/>
+        </p:nvSpPr>
+        <p:spPr>
+          <a:xfrm>
+            <a:off x="11353800" y="23123390"/>
+            <a:ext cx="15249296" cy="4479123"/>
+          </a:xfrm>
+          <a:prstGeom prst="rect">
+            <a:avLst/>
+          </a:prstGeom>
+          <a:noFill/>
+          <a:ln w="76200">
+            <a:solidFill>
+              <a:srgbClr val="0CA413"/>
+            </a:solidFill>
+          </a:ln>
+        </p:spPr>
+        <p:style>
+          <a:lnRef idx="2">
+            <a:schemeClr val="accent1">
+              <a:shade val="50000"/>
+            </a:schemeClr>
+          </a:lnRef>
+          <a:fillRef idx="1">
+            <a:schemeClr val="accent1"/>
+          </a:fillRef>
+          <a:effectRef idx="0">
+            <a:schemeClr val="accent1"/>
+          </a:effectRef>
+          <a:fontRef idx="minor">
+            <a:schemeClr val="lt1"/>
+          </a:fontRef>
+        </p:style>
+        <p:txBody>
+          <a:bodyPr rtlCol="0" anchor="ctr"/>
+          <a:lstStyle/>
+          <a:p>
+            <a:pPr algn="ctr"/>
+            <a:endParaRPr lang="en-US"/>
+          </a:p>
+        </p:txBody>
+      </p:sp>
+      <p:sp>
+        <p:nvSpPr>
+          <p:cNvPr id="15" name="Right Arrow 14"/>
+          <p:cNvSpPr/>
+          <p:nvPr/>
+        </p:nvSpPr>
+        <p:spPr>
+          <a:xfrm>
+            <a:off x="18313580" y="17166372"/>
+            <a:ext cx="1077361" cy="742860"/>
+          </a:xfrm>
+          <a:prstGeom prst="rightArrow">
+            <a:avLst/>
+          </a:prstGeom>
+          <a:solidFill>
+            <a:srgbClr val="0070C0"/>
+          </a:solidFill>
+        </p:spPr>
+        <p:style>
+          <a:lnRef idx="2">
+            <a:schemeClr val="accent1">
+              <a:shade val="50000"/>
+            </a:schemeClr>
+          </a:lnRef>
+          <a:fillRef idx="1">
+            <a:schemeClr val="accent1"/>
+          </a:fillRef>
+          <a:effectRef idx="0">
+            <a:schemeClr val="accent1"/>
+          </a:effectRef>
+          <a:fontRef idx="minor">
+            <a:schemeClr val="lt1"/>
+          </a:fontRef>
+        </p:style>
+        <p:txBody>
+          <a:bodyPr rtlCol="0" anchor="ctr"/>
+          <a:lstStyle/>
+          <a:p>
+            <a:pPr algn="ctr"/>
+            <a:endParaRPr lang="en-US"/>
+          </a:p>
+        </p:txBody>
+      </p:sp>
+      <p:sp>
+        <p:nvSpPr>
+          <p:cNvPr id="18" name="Down Arrow 17"/>
+          <p:cNvSpPr/>
+          <p:nvPr/>
+        </p:nvSpPr>
+        <p:spPr>
+          <a:xfrm>
+            <a:off x="22834418" y="20925483"/>
+            <a:ext cx="946513" cy="1722060"/>
+          </a:xfrm>
+          <a:prstGeom prst="downArrow">
+            <a:avLst/>
+          </a:prstGeom>
+          <a:solidFill>
+            <a:srgbClr val="0070C0"/>
+          </a:solidFill>
+        </p:spPr>
+        <p:style>
+          <a:lnRef idx="2">
+            <a:schemeClr val="accent1">
+              <a:shade val="50000"/>
+            </a:schemeClr>
+          </a:lnRef>
+          <a:fillRef idx="1">
+            <a:schemeClr val="accent1"/>
+          </a:fillRef>
+          <a:effectRef idx="0">
+            <a:schemeClr val="accent1"/>
+          </a:effectRef>
+          <a:fontRef idx="minor">
+            <a:schemeClr val="lt1"/>
+          </a:fontRef>
+        </p:style>
+        <p:txBody>
+          <a:bodyPr rtlCol="0" anchor="ctr"/>
+          <a:lstStyle/>
+          <a:p>
+            <a:pPr algn="ctr"/>
+            <a:endParaRPr lang="en-US"/>
+          </a:p>
+        </p:txBody>
+      </p:sp>
     </p:spTree>
     <p:extLst>
       <p:ext uri="{BB962C8B-B14F-4D97-AF65-F5344CB8AC3E}">
-        <p14:creationId xmlns:p14="http://schemas.microsoft.com/office/powerpoint/2010/main" xmlns="" val="3760183655"/>
+        <p14:creationId xmlns:p14="http://schemas.microsoft.com/office/powerpoint/2010/main" val="3760183655"/>
       </p:ext>
     </p:extLst>
   </p:cSld>
@@ -10826,7 +11084,7 @@
           <a:blip r:embed="rId3">
             <a:extLst>
               <a:ext uri="{28A0092B-C50C-407E-A947-70E740481C1C}">
-                <a14:useLocalDpi xmlns:a14="http://schemas.microsoft.com/office/drawing/2010/main" xmlns="" val="0"/>
+                <a14:useLocalDpi xmlns:a14="http://schemas.microsoft.com/office/drawing/2010/main" val="0"/>
               </a:ext>
             </a:extLst>
           </a:blip>
@@ -10856,7 +11114,7 @@
           <a:blip r:embed="rId3">
             <a:extLst>
               <a:ext uri="{28A0092B-C50C-407E-A947-70E740481C1C}">
-                <a14:useLocalDpi xmlns:a14="http://schemas.microsoft.com/office/drawing/2010/main" xmlns="" val="0"/>
+                <a14:useLocalDpi xmlns:a14="http://schemas.microsoft.com/office/drawing/2010/main" val="0"/>
               </a:ext>
             </a:extLst>
           </a:blip>
@@ -11072,7 +11330,7 @@
           <a:blip r:embed="rId4">
             <a:extLst>
               <a:ext uri="{28A0092B-C50C-407E-A947-70E740481C1C}">
-                <a14:useLocalDpi xmlns:a14="http://schemas.microsoft.com/office/drawing/2010/main" xmlns="" val="0"/>
+                <a14:useLocalDpi xmlns:a14="http://schemas.microsoft.com/office/drawing/2010/main" val="0"/>
               </a:ext>
             </a:extLst>
           </a:blip>
@@ -11101,7 +11359,7 @@
           <a:blip r:embed="rId5">
             <a:extLst>
               <a:ext uri="{28A0092B-C50C-407E-A947-70E740481C1C}">
-                <a14:useLocalDpi xmlns:a14="http://schemas.microsoft.com/office/drawing/2010/main" xmlns="" val="0"/>
+                <a14:useLocalDpi xmlns:a14="http://schemas.microsoft.com/office/drawing/2010/main" val="0"/>
               </a:ext>
             </a:extLst>
           </a:blip>
@@ -11130,7 +11388,7 @@
           <a:blip r:embed="rId6">
             <a:extLst>
               <a:ext uri="{28A0092B-C50C-407E-A947-70E740481C1C}">
-                <a14:useLocalDpi xmlns:a14="http://schemas.microsoft.com/office/drawing/2010/main" xmlns="" val="0"/>
+                <a14:useLocalDpi xmlns:a14="http://schemas.microsoft.com/office/drawing/2010/main" val="0"/>
               </a:ext>
             </a:extLst>
           </a:blip>
@@ -11574,7 +11832,7 @@
           <a:blip r:embed="rId7">
             <a:extLst>
               <a:ext uri="{28A0092B-C50C-407E-A947-70E740481C1C}">
-                <a14:useLocalDpi xmlns:a14="http://schemas.microsoft.com/office/drawing/2010/main" xmlns="" val="0"/>
+                <a14:useLocalDpi xmlns:a14="http://schemas.microsoft.com/office/drawing/2010/main" val="0"/>
               </a:ext>
             </a:extLst>
           </a:blip>
@@ -11714,7 +11972,7 @@
           <a:blip r:embed="rId8">
             <a:extLst>
               <a:ext uri="{28A0092B-C50C-407E-A947-70E740481C1C}">
-                <a14:useLocalDpi xmlns:a14="http://schemas.microsoft.com/office/drawing/2010/main" xmlns="" val="0"/>
+                <a14:useLocalDpi xmlns:a14="http://schemas.microsoft.com/office/drawing/2010/main" val="0"/>
               </a:ext>
             </a:extLst>
           </a:blip>
@@ -11738,14 +11996,14 @@
           <a:effectLst/>
           <a:extLst>
             <a:ext uri="{909E8E84-426E-40DD-AFC4-6F175D3DCCD1}">
-              <a14:hiddenFill xmlns:a14="http://schemas.microsoft.com/office/drawing/2010/main" xmlns="">
+              <a14:hiddenFill xmlns:a14="http://schemas.microsoft.com/office/drawing/2010/main">
                 <a:solidFill>
                   <a:schemeClr val="accent1"/>
                 </a:solidFill>
               </a14:hiddenFill>
             </a:ext>
             <a:ext uri="{91240B29-F687-4F45-9708-019B960494DF}">
-              <a14:hiddenLine xmlns:a14="http://schemas.microsoft.com/office/drawing/2010/main" xmlns="" w="9525">
+              <a14:hiddenLine xmlns:a14="http://schemas.microsoft.com/office/drawing/2010/main" w="9525">
                 <a:solidFill>
                   <a:schemeClr val="tx1"/>
                 </a:solidFill>
@@ -11755,7 +12013,7 @@
               </a14:hiddenLine>
             </a:ext>
             <a:ext uri="{AF507438-7753-43E0-B8FC-AC1667EBCBE1}">
-              <a14:hiddenEffects xmlns:a14="http://schemas.microsoft.com/office/drawing/2010/main" xmlns="">
+              <a14:hiddenEffects xmlns:a14="http://schemas.microsoft.com/office/drawing/2010/main">
                 <a:effectLst>
                   <a:outerShdw dist="35921" dir="2700000" algn="ctr" rotWithShape="0">
                     <a:schemeClr val="bg2"/>
@@ -11790,7 +12048,7 @@
           </a:ln>
           <a:extLst>
             <a:ext uri="{53640926-AAD7-44D8-BBD7-CCE9431645EC}">
-              <a14:shadowObscured xmlns:a14="http://schemas.microsoft.com/office/drawing/2010/main" xmlns=""/>
+              <a14:shadowObscured xmlns:a14="http://schemas.microsoft.com/office/drawing/2010/main"/>
             </a:ext>
           </a:extLst>
         </p:spPr>
@@ -11852,7 +12110,7 @@
           </a:ln>
           <a:extLst>
             <a:ext uri="{53640926-AAD7-44D8-BBD7-CCE9431645EC}">
-              <a14:shadowObscured xmlns:a14="http://schemas.microsoft.com/office/drawing/2010/main" xmlns=""/>
+              <a14:shadowObscured xmlns:a14="http://schemas.microsoft.com/office/drawing/2010/main"/>
             </a:ext>
           </a:extLst>
         </p:spPr>
@@ -11881,7 +12139,7 @@
           </a:ln>
           <a:extLst>
             <a:ext uri="{53640926-AAD7-44D8-BBD7-CCE9431645EC}">
-              <a14:shadowObscured xmlns:a14="http://schemas.microsoft.com/office/drawing/2010/main" xmlns=""/>
+              <a14:shadowObscured xmlns:a14="http://schemas.microsoft.com/office/drawing/2010/main"/>
             </a:ext>
           </a:extLst>
         </p:spPr>
@@ -11898,7 +12156,7 @@
           <a:blip r:embed="rId12" cstate="print">
             <a:extLst>
               <a:ext uri="{28A0092B-C50C-407E-A947-70E740481C1C}">
-                <a14:useLocalDpi xmlns:a14="http://schemas.microsoft.com/office/drawing/2010/main" xmlns="" val="0"/>
+                <a14:useLocalDpi xmlns:a14="http://schemas.microsoft.com/office/drawing/2010/main" val="0"/>
               </a:ext>
             </a:extLst>
           </a:blip>
@@ -11922,14 +12180,14 @@
           <a:effectLst/>
           <a:extLst>
             <a:ext uri="{909E8E84-426E-40DD-AFC4-6F175D3DCCD1}">
-              <a14:hiddenFill xmlns:a14="http://schemas.microsoft.com/office/drawing/2010/main" xmlns="">
+              <a14:hiddenFill xmlns:a14="http://schemas.microsoft.com/office/drawing/2010/main">
                 <a:solidFill>
                   <a:schemeClr val="accent1"/>
                 </a:solidFill>
               </a14:hiddenFill>
             </a:ext>
             <a:ext uri="{91240B29-F687-4F45-9708-019B960494DF}">
-              <a14:hiddenLine xmlns:a14="http://schemas.microsoft.com/office/drawing/2010/main" xmlns="" w="9525">
+              <a14:hiddenLine xmlns:a14="http://schemas.microsoft.com/office/drawing/2010/main" w="9525">
                 <a:solidFill>
                   <a:schemeClr val="tx1"/>
                 </a:solidFill>
@@ -11939,7 +12197,7 @@
               </a14:hiddenLine>
             </a:ext>
             <a:ext uri="{AF507438-7753-43E0-B8FC-AC1667EBCBE1}">
-              <a14:hiddenEffects xmlns:a14="http://schemas.microsoft.com/office/drawing/2010/main" xmlns="">
+              <a14:hiddenEffects xmlns:a14="http://schemas.microsoft.com/office/drawing/2010/main">
                 <a:effectLst>
                   <a:outerShdw dist="35921" dir="2700000" algn="ctr" rotWithShape="0">
                     <a:schemeClr val="bg2"/>
@@ -11989,7 +12247,7 @@
     </p:spTree>
     <p:extLst>
       <p:ext uri="{BB962C8B-B14F-4D97-AF65-F5344CB8AC3E}">
-        <p14:creationId xmlns:p14="http://schemas.microsoft.com/office/powerpoint/2010/main" xmlns="" val="621276741"/>
+        <p14:creationId xmlns:p14="http://schemas.microsoft.com/office/powerpoint/2010/main" val="621276741"/>
       </p:ext>
     </p:extLst>
   </p:cSld>

--- a/2014SpBio125,researchday,DPCC/bio125_2014Spring20140304.pptx
+++ b/2014SpBio125,researchday,DPCC/bio125_2014Spring20140304.pptx
@@ -147,24 +147,6 @@
 </p:cmAuthorLst>
 </file>
 
-<file path=ppt/comments/comment1.xml><?xml version="1.0" encoding="utf-8"?>
-<p:cmLst xmlns:a="http://schemas.openxmlformats.org/drawingml/2006/main" xmlns:r="http://schemas.openxmlformats.org/officeDocument/2006/relationships" xmlns:p="http://schemas.openxmlformats.org/presentationml/2006/main">
-  <p:cm authorId="0" dt="2013-04-16T13:55:06.049" idx="2">
-    <p:pos x="10" y="10"/>
-    <p:text/>
-  </p:cm>
-</p:cmLst>
-</file>
-
-<file path=ppt/comments/comment2.xml><?xml version="1.0" encoding="utf-8"?>
-<p:cmLst xmlns:a="http://schemas.openxmlformats.org/drawingml/2006/main" xmlns:r="http://schemas.openxmlformats.org/officeDocument/2006/relationships" xmlns:p="http://schemas.openxmlformats.org/presentationml/2006/main">
-  <p:cm authorId="0" dt="2013-04-16T13:55:06.049" idx="3">
-    <p:pos x="10" y="10"/>
-    <p:text/>
-  </p:cm>
-</p:cmLst>
-</file>
-
 <file path=ppt/notesMasters/notesMaster1.xml><?xml version="1.0" encoding="utf-8"?>
 <p:notesMaster xmlns:a="http://schemas.openxmlformats.org/drawingml/2006/main" xmlns:r="http://schemas.openxmlformats.org/officeDocument/2006/relationships" xmlns:p="http://schemas.openxmlformats.org/presentationml/2006/main">
   <p:cSld>
@@ -256,7 +238,7 @@
             <a:fld id="{20089B8C-FF37-ED46-B3FC-4062649AF89E}" type="datetime1">
               <a:rPr lang="en-US"/>
               <a:pPr/>
-              <a:t>4/6/2014</a:t>
+              <a:t>4/7/14</a:t>
             </a:fld>
             <a:endParaRPr lang="en-US"/>
           </a:p>
@@ -5307,7 +5289,7 @@
             <a:noFill/>
           </a:ln>
           <a:extLst>
-            <a:ext uri="{53640926-AAD7-44D8-BBD7-CCE9431645EC}">
+            <a:ext uri="{53640926-AAD7-44d8-BBD7-CCE9431645EC}">
               <a14:shadowObscured xmlns:a14="http://schemas.microsoft.com/office/drawing/2010/main"/>
             </a:ext>
           </a:extLst>
@@ -5449,14 +5431,14 @@
           </a:ln>
           <a:effectLst/>
           <a:extLst>
-            <a:ext uri="{909E8E84-426E-40DD-AFC4-6F175D3DCCD1}">
+            <a:ext uri="{909E8E84-426E-40dd-AFC4-6F175D3DCCD1}">
               <a14:hiddenFill xmlns:a14="http://schemas.microsoft.com/office/drawing/2010/main">
                 <a:solidFill>
                   <a:schemeClr val="accent1"/>
                 </a:solidFill>
               </a14:hiddenFill>
             </a:ext>
-            <a:ext uri="{91240B29-F687-4F45-9708-019B960494DF}">
+            <a:ext uri="{91240B29-F687-4f45-9708-019B960494DF}">
               <a14:hiddenLine xmlns:a14="http://schemas.microsoft.com/office/drawing/2010/main" w="9525">
                 <a:solidFill>
                   <a:schemeClr val="tx1"/>
@@ -5466,7 +5448,7 @@
                 <a:tailEnd/>
               </a14:hiddenLine>
             </a:ext>
-            <a:ext uri="{AF507438-7753-43E0-B8FC-AC1667EBCBE1}">
+            <a:ext uri="{AF507438-7753-43e0-B8FC-AC1667EBCBE1}">
               <a14:hiddenEffects xmlns:a14="http://schemas.microsoft.com/office/drawing/2010/main">
                 <a:effectLst>
                   <a:outerShdw dist="35921" dir="2700000" algn="ctr" rotWithShape="0">
@@ -5543,14 +5525,14 @@
           </a:ln>
           <a:effectLst/>
           <a:extLst>
-            <a:ext uri="{909E8E84-426E-40DD-AFC4-6F175D3DCCD1}">
+            <a:ext uri="{909E8E84-426E-40dd-AFC4-6F175D3DCCD1}">
               <a14:hiddenFill xmlns:a14="http://schemas.microsoft.com/office/drawing/2010/main">
                 <a:solidFill>
                   <a:schemeClr val="accent1"/>
                 </a:solidFill>
               </a14:hiddenFill>
             </a:ext>
-            <a:ext uri="{91240B29-F687-4F45-9708-019B960494DF}">
+            <a:ext uri="{91240B29-F687-4f45-9708-019B960494DF}">
               <a14:hiddenLine xmlns:a14="http://schemas.microsoft.com/office/drawing/2010/main" w="9525">
                 <a:solidFill>
                   <a:schemeClr val="tx1"/>
@@ -5560,7 +5542,7 @@
                 <a:tailEnd/>
               </a14:hiddenLine>
             </a:ext>
-            <a:ext uri="{AF507438-7753-43E0-B8FC-AC1667EBCBE1}">
+            <a:ext uri="{AF507438-7753-43e0-B8FC-AC1667EBCBE1}">
               <a14:hiddenEffects xmlns:a14="http://schemas.microsoft.com/office/drawing/2010/main">
                 <a:effectLst>
                   <a:outerShdw dist="35921" dir="2700000" algn="ctr" rotWithShape="0">
@@ -5763,14 +5745,14 @@
           </a:ln>
           <a:effectLst/>
           <a:extLst>
-            <a:ext uri="{909E8E84-426E-40DD-AFC4-6F175D3DCCD1}">
+            <a:ext uri="{909E8E84-426E-40dd-AFC4-6F175D3DCCD1}">
               <a14:hiddenFill xmlns:a14="http://schemas.microsoft.com/office/drawing/2010/main">
                 <a:solidFill>
                   <a:schemeClr val="accent1"/>
                 </a:solidFill>
               </a14:hiddenFill>
             </a:ext>
-            <a:ext uri="{91240B29-F687-4F45-9708-019B960494DF}">
+            <a:ext uri="{91240B29-F687-4f45-9708-019B960494DF}">
               <a14:hiddenLine xmlns:a14="http://schemas.microsoft.com/office/drawing/2010/main" w="9525">
                 <a:solidFill>
                   <a:schemeClr val="tx1"/>
@@ -5780,7 +5762,7 @@
                 <a:tailEnd/>
               </a14:hiddenLine>
             </a:ext>
-            <a:ext uri="{AF507438-7753-43E0-B8FC-AC1667EBCBE1}">
+            <a:ext uri="{AF507438-7753-43e0-B8FC-AC1667EBCBE1}">
               <a14:hiddenEffects xmlns:a14="http://schemas.microsoft.com/office/drawing/2010/main">
                 <a:effectLst>
                   <a:outerShdw dist="35921" dir="2700000" algn="ctr" rotWithShape="0">
@@ -5821,7 +5803,7 @@
             <a:noFill/>
           </a:ln>
           <a:extLst>
-            <a:ext uri="{53640926-AAD7-44D8-BBD7-CCE9431645EC}">
+            <a:ext uri="{53640926-AAD7-44d8-BBD7-CCE9431645EC}">
               <a14:shadowObscured xmlns:a14="http://schemas.microsoft.com/office/drawing/2010/main"/>
             </a:ext>
           </a:extLst>
@@ -9834,7 +9816,7 @@
   <p:timing>
     <p:tnLst>
       <p:par>
-        <p:cTn id="1" dur="indefinite" restart="never" nodeType="tmRoot">
+        <p:cTn xmlns:p14="http://schemas.microsoft.com/office/powerpoint/2010/main" id="1" dur="indefinite" restart="never" nodeType="tmRoot">
           <p:childTnLst>
             <p:seq concurrent="1" nextAc="seek">
               <p:cTn id="2" dur="indefinite" nodeType="mainSeq">
@@ -11995,14 +11977,14 @@
           </a:ln>
           <a:effectLst/>
           <a:extLst>
-            <a:ext uri="{909E8E84-426E-40DD-AFC4-6F175D3DCCD1}">
+            <a:ext uri="{909E8E84-426E-40dd-AFC4-6F175D3DCCD1}">
               <a14:hiddenFill xmlns:a14="http://schemas.microsoft.com/office/drawing/2010/main">
                 <a:solidFill>
                   <a:schemeClr val="accent1"/>
                 </a:solidFill>
               </a14:hiddenFill>
             </a:ext>
-            <a:ext uri="{91240B29-F687-4F45-9708-019B960494DF}">
+            <a:ext uri="{91240B29-F687-4f45-9708-019B960494DF}">
               <a14:hiddenLine xmlns:a14="http://schemas.microsoft.com/office/drawing/2010/main" w="9525">
                 <a:solidFill>
                   <a:schemeClr val="tx1"/>
@@ -12012,7 +11994,7 @@
                 <a:tailEnd/>
               </a14:hiddenLine>
             </a:ext>
-            <a:ext uri="{AF507438-7753-43E0-B8FC-AC1667EBCBE1}">
+            <a:ext uri="{AF507438-7753-43e0-B8FC-AC1667EBCBE1}">
               <a14:hiddenEffects xmlns:a14="http://schemas.microsoft.com/office/drawing/2010/main">
                 <a:effectLst>
                   <a:outerShdw dist="35921" dir="2700000" algn="ctr" rotWithShape="0">
@@ -12047,7 +12029,7 @@
             <a:noFill/>
           </a:ln>
           <a:extLst>
-            <a:ext uri="{53640926-AAD7-44D8-BBD7-CCE9431645EC}">
+            <a:ext uri="{53640926-AAD7-44d8-BBD7-CCE9431645EC}">
               <a14:shadowObscured xmlns:a14="http://schemas.microsoft.com/office/drawing/2010/main"/>
             </a:ext>
           </a:extLst>
@@ -12109,7 +12091,7 @@
             <a:noFill/>
           </a:ln>
           <a:extLst>
-            <a:ext uri="{53640926-AAD7-44D8-BBD7-CCE9431645EC}">
+            <a:ext uri="{53640926-AAD7-44d8-BBD7-CCE9431645EC}">
               <a14:shadowObscured xmlns:a14="http://schemas.microsoft.com/office/drawing/2010/main"/>
             </a:ext>
           </a:extLst>
@@ -12138,7 +12120,7 @@
             <a:noFill/>
           </a:ln>
           <a:extLst>
-            <a:ext uri="{53640926-AAD7-44D8-BBD7-CCE9431645EC}">
+            <a:ext uri="{53640926-AAD7-44d8-BBD7-CCE9431645EC}">
               <a14:shadowObscured xmlns:a14="http://schemas.microsoft.com/office/drawing/2010/main"/>
             </a:ext>
           </a:extLst>
@@ -12179,14 +12161,14 @@
           </a:ln>
           <a:effectLst/>
           <a:extLst>
-            <a:ext uri="{909E8E84-426E-40DD-AFC4-6F175D3DCCD1}">
+            <a:ext uri="{909E8E84-426E-40dd-AFC4-6F175D3DCCD1}">
               <a14:hiddenFill xmlns:a14="http://schemas.microsoft.com/office/drawing/2010/main">
                 <a:solidFill>
                   <a:schemeClr val="accent1"/>
                 </a:solidFill>
               </a14:hiddenFill>
             </a:ext>
-            <a:ext uri="{91240B29-F687-4F45-9708-019B960494DF}">
+            <a:ext uri="{91240B29-F687-4f45-9708-019B960494DF}">
               <a14:hiddenLine xmlns:a14="http://schemas.microsoft.com/office/drawing/2010/main" w="9525">
                 <a:solidFill>
                   <a:schemeClr val="tx1"/>
@@ -12196,7 +12178,7 @@
                 <a:tailEnd/>
               </a14:hiddenLine>
             </a:ext>
-            <a:ext uri="{AF507438-7753-43E0-B8FC-AC1667EBCBE1}">
+            <a:ext uri="{AF507438-7753-43e0-B8FC-AC1667EBCBE1}">
               <a14:hiddenEffects xmlns:a14="http://schemas.microsoft.com/office/drawing/2010/main">
                 <a:effectLst>
                   <a:outerShdw dist="35921" dir="2700000" algn="ctr" rotWithShape="0">
@@ -12257,7 +12239,7 @@
   <p:timing>
     <p:tnLst>
       <p:par>
-        <p:cTn id="1" dur="indefinite" restart="never" nodeType="tmRoot">
+        <p:cTn xmlns:p14="http://schemas.microsoft.com/office/powerpoint/2010/main" id="1" dur="indefinite" restart="never" nodeType="tmRoot">
           <p:childTnLst>
             <p:seq concurrent="1" nextAc="seek">
               <p:cTn id="2" dur="indefinite" nodeType="mainSeq">
